--- a/contents/Render.pptx
+++ b/contents/Render.pptx
@@ -6,34 +6,16 @@
     <p:sldMasterId id="2147483672" r:id="rId2"/>
   </p:sldMasterIdLst>
   <p:notesMasterIdLst>
-    <p:notesMasterId r:id="rId25"/>
+    <p:notesMasterId r:id="rId7"/>
   </p:notesMasterIdLst>
   <p:handoutMasterIdLst>
-    <p:handoutMasterId r:id="rId26"/>
+    <p:handoutMasterId r:id="rId8"/>
   </p:handoutMasterIdLst>
   <p:sldIdLst>
     <p:sldId id="261" r:id="rId3"/>
     <p:sldId id="481" r:id="rId4"/>
     <p:sldId id="482" r:id="rId5"/>
-    <p:sldId id="470" r:id="rId6"/>
-    <p:sldId id="474" r:id="rId7"/>
-    <p:sldId id="475" r:id="rId8"/>
-    <p:sldId id="478" r:id="rId9"/>
-    <p:sldId id="473" r:id="rId10"/>
-    <p:sldId id="476" r:id="rId11"/>
-    <p:sldId id="477" r:id="rId12"/>
-    <p:sldId id="472" r:id="rId13"/>
-    <p:sldId id="479" r:id="rId14"/>
-    <p:sldId id="484" r:id="rId15"/>
-    <p:sldId id="483" r:id="rId16"/>
-    <p:sldId id="480" r:id="rId17"/>
-    <p:sldId id="487" r:id="rId18"/>
-    <p:sldId id="485" r:id="rId19"/>
-    <p:sldId id="486" r:id="rId20"/>
-    <p:sldId id="488" r:id="rId21"/>
-    <p:sldId id="489" r:id="rId22"/>
-    <p:sldId id="490" r:id="rId23"/>
-    <p:sldId id="421" r:id="rId24"/>
+    <p:sldId id="421" r:id="rId6"/>
   </p:sldIdLst>
   <p:sldSz cx="9144000" cy="6858000" type="screen4x3"/>
   <p:notesSz cx="6735763" cy="9866313"/>
@@ -6893,1709 +6875,6 @@
 </p:sld>
 </file>
 
-<file path=ppt/slides/slide10.xml><?xml version="1.0" encoding="utf-8"?>
-<p:sld xmlns:a="http://schemas.openxmlformats.org/drawingml/2006/main" xmlns:r="http://schemas.openxmlformats.org/officeDocument/2006/relationships" xmlns:p="http://schemas.openxmlformats.org/presentationml/2006/main">
-  <p:cSld>
-    <p:spTree>
-      <p:nvGrpSpPr>
-        <p:cNvPr id="1" name=""/>
-        <p:cNvGrpSpPr/>
-        <p:nvPr/>
-      </p:nvGrpSpPr>
-      <p:grpSpPr>
-        <a:xfrm>
-          <a:off x="0" y="0"/>
-          <a:ext cx="0" cy="0"/>
-          <a:chOff x="0" y="0"/>
-          <a:chExt cx="0" cy="0"/>
-        </a:xfrm>
-      </p:grpSpPr>
-      <p:pic>
-        <p:nvPicPr>
-          <p:cNvPr id="4" name="그림 3"/>
-          <p:cNvPicPr>
-            <a:picLocks noChangeAspect="1"/>
-          </p:cNvPicPr>
-          <p:nvPr/>
-        </p:nvPicPr>
-        <p:blipFill>
-          <a:blip r:embed="rId2"/>
-          <a:stretch>
-            <a:fillRect/>
-          </a:stretch>
-        </p:blipFill>
-        <p:spPr>
-          <a:xfrm>
-            <a:off x="250825" y="1520825"/>
-            <a:ext cx="4116459" cy="4968875"/>
-          </a:xfrm>
-          <a:prstGeom prst="rect">
-            <a:avLst/>
-          </a:prstGeom>
-        </p:spPr>
-      </p:pic>
-      <p:pic>
-        <p:nvPicPr>
-          <p:cNvPr id="5" name="그림 4"/>
-          <p:cNvPicPr>
-            <a:picLocks noChangeAspect="1"/>
-          </p:cNvPicPr>
-          <p:nvPr/>
-        </p:nvPicPr>
-        <p:blipFill>
-          <a:blip r:embed="rId3"/>
-          <a:stretch>
-            <a:fillRect/>
-          </a:stretch>
-        </p:blipFill>
-        <p:spPr>
-          <a:xfrm>
-            <a:off x="4572000" y="1520825"/>
-            <a:ext cx="4356100" cy="4968875"/>
-          </a:xfrm>
-          <a:prstGeom prst="rect">
-            <a:avLst/>
-          </a:prstGeom>
-        </p:spPr>
-      </p:pic>
-      <p:sp>
-        <p:nvSpPr>
-          <p:cNvPr id="6" name="TextBox 5"/>
-          <p:cNvSpPr txBox="1"/>
-          <p:nvPr/>
-        </p:nvSpPr>
-        <p:spPr>
-          <a:xfrm>
-            <a:off x="250825" y="999542"/>
-            <a:ext cx="2993127" cy="338554"/>
-          </a:xfrm>
-          <a:prstGeom prst="rect">
-            <a:avLst/>
-          </a:prstGeom>
-          <a:noFill/>
-        </p:spPr>
-        <p:txBody>
-          <a:bodyPr wrap="none" rtlCol="0">
-            <a:spAutoFit/>
-          </a:bodyPr>
-          <a:lstStyle/>
-          <a:p>
-            <a:r>
-              <a:rPr lang="ko-KR" altLang="en-US" sz="1600" smtClean="0">
-                <a:latin typeface="+mn-ea"/>
-              </a:rPr>
-              <a:t>▒ </a:t>
-            </a:r>
-            <a:r>
-              <a:rPr lang="en-US" altLang="ko-KR" sz="1600" smtClean="0">
-                <a:latin typeface="+mn-ea"/>
-              </a:rPr>
-              <a:t>node_modules </a:t>
-            </a:r>
-            <a:r>
-              <a:rPr lang="ko-KR" altLang="en-US" sz="1600" smtClean="0">
-                <a:latin typeface="+mn-ea"/>
-              </a:rPr>
-              <a:t>패키지 내용</a:t>
-            </a:r>
-          </a:p>
-        </p:txBody>
-      </p:sp>
-      <p:sp>
-        <p:nvSpPr>
-          <p:cNvPr id="7" name="TextBox 6"/>
-          <p:cNvSpPr txBox="1"/>
-          <p:nvPr/>
-        </p:nvSpPr>
-        <p:spPr>
-          <a:xfrm>
-            <a:off x="146908" y="246186"/>
-            <a:ext cx="1819729" cy="400110"/>
-          </a:xfrm>
-          <a:prstGeom prst="rect">
-            <a:avLst/>
-          </a:prstGeom>
-          <a:noFill/>
-        </p:spPr>
-        <p:txBody>
-          <a:bodyPr wrap="none" rtlCol="0">
-            <a:spAutoFit/>
-          </a:bodyPr>
-          <a:lstStyle/>
-          <a:p>
-            <a:r>
-              <a:rPr lang="en-US" altLang="ko-KR" sz="2000" smtClean="0">
-                <a:latin typeface="맑은 고딕" pitchFamily="50" charset="-127"/>
-              </a:rPr>
-              <a:t>Node.js Install</a:t>
-            </a:r>
-            <a:endParaRPr lang="ko-KR" altLang="en-US" sz="2000" dirty="0">
-              <a:latin typeface="맑은 고딕" pitchFamily="50" charset="-127"/>
-            </a:endParaRPr>
-          </a:p>
-        </p:txBody>
-      </p:sp>
-    </p:spTree>
-    <p:extLst>
-      <p:ext uri="{BB962C8B-B14F-4D97-AF65-F5344CB8AC3E}">
-        <p14:creationId xmlns:p14="http://schemas.microsoft.com/office/powerpoint/2010/main" val="3035810219"/>
-      </p:ext>
-    </p:extLst>
-  </p:cSld>
-  <p:clrMapOvr>
-    <a:masterClrMapping/>
-  </p:clrMapOvr>
-</p:sld>
-</file>
-
-<file path=ppt/slides/slide11.xml><?xml version="1.0" encoding="utf-8"?>
-<p:sld xmlns:a="http://schemas.openxmlformats.org/drawingml/2006/main" xmlns:r="http://schemas.openxmlformats.org/officeDocument/2006/relationships" xmlns:p="http://schemas.openxmlformats.org/presentationml/2006/main">
-  <p:cSld>
-    <p:spTree>
-      <p:nvGrpSpPr>
-        <p:cNvPr id="1" name=""/>
-        <p:cNvGrpSpPr/>
-        <p:nvPr/>
-      </p:nvGrpSpPr>
-      <p:grpSpPr>
-        <a:xfrm>
-          <a:off x="0" y="0"/>
-          <a:ext cx="0" cy="0"/>
-          <a:chOff x="0" y="0"/>
-          <a:chExt cx="0" cy="0"/>
-        </a:xfrm>
-      </p:grpSpPr>
-      <p:pic>
-        <p:nvPicPr>
-          <p:cNvPr id="2" name="그림 1"/>
-          <p:cNvPicPr>
-            <a:picLocks noChangeAspect="1"/>
-          </p:cNvPicPr>
-          <p:nvPr/>
-        </p:nvPicPr>
-        <p:blipFill>
-          <a:blip r:embed="rId2"/>
-          <a:stretch>
-            <a:fillRect/>
-          </a:stretch>
-        </p:blipFill>
-        <p:spPr>
-          <a:xfrm>
-            <a:off x="250825" y="1520825"/>
-            <a:ext cx="5056496" cy="2048065"/>
-          </a:xfrm>
-          <a:prstGeom prst="rect">
-            <a:avLst/>
-          </a:prstGeom>
-        </p:spPr>
-      </p:pic>
-      <p:sp>
-        <p:nvSpPr>
-          <p:cNvPr id="8" name="TextBox 7"/>
-          <p:cNvSpPr txBox="1"/>
-          <p:nvPr/>
-        </p:nvSpPr>
-        <p:spPr>
-          <a:xfrm>
-            <a:off x="250825" y="999542"/>
-            <a:ext cx="2993127" cy="338554"/>
-          </a:xfrm>
-          <a:prstGeom prst="rect">
-            <a:avLst/>
-          </a:prstGeom>
-          <a:noFill/>
-        </p:spPr>
-        <p:txBody>
-          <a:bodyPr wrap="none" rtlCol="0">
-            <a:spAutoFit/>
-          </a:bodyPr>
-          <a:lstStyle/>
-          <a:p>
-            <a:r>
-              <a:rPr lang="ko-KR" altLang="en-US" sz="1600" smtClean="0">
-                <a:latin typeface="+mn-ea"/>
-              </a:rPr>
-              <a:t>▒ </a:t>
-            </a:r>
-            <a:r>
-              <a:rPr lang="en-US" altLang="ko-KR" sz="1600" smtClean="0">
-                <a:latin typeface="+mn-ea"/>
-              </a:rPr>
-              <a:t>node_modules </a:t>
-            </a:r>
-            <a:r>
-              <a:rPr lang="ko-KR" altLang="en-US" sz="1600" smtClean="0">
-                <a:latin typeface="+mn-ea"/>
-              </a:rPr>
-              <a:t>패키지 내용</a:t>
-            </a:r>
-          </a:p>
-        </p:txBody>
-      </p:sp>
-      <p:sp>
-        <p:nvSpPr>
-          <p:cNvPr id="9" name="TextBox 8"/>
-          <p:cNvSpPr txBox="1"/>
-          <p:nvPr/>
-        </p:nvSpPr>
-        <p:spPr>
-          <a:xfrm>
-            <a:off x="146908" y="246186"/>
-            <a:ext cx="1819729" cy="400110"/>
-          </a:xfrm>
-          <a:prstGeom prst="rect">
-            <a:avLst/>
-          </a:prstGeom>
-          <a:noFill/>
-        </p:spPr>
-        <p:txBody>
-          <a:bodyPr wrap="none" rtlCol="0">
-            <a:spAutoFit/>
-          </a:bodyPr>
-          <a:lstStyle/>
-          <a:p>
-            <a:r>
-              <a:rPr lang="en-US" altLang="ko-KR" sz="2000" smtClean="0">
-                <a:latin typeface="맑은 고딕" pitchFamily="50" charset="-127"/>
-              </a:rPr>
-              <a:t>Node.js Install</a:t>
-            </a:r>
-            <a:endParaRPr lang="ko-KR" altLang="en-US" sz="2000" dirty="0">
-              <a:latin typeface="맑은 고딕" pitchFamily="50" charset="-127"/>
-            </a:endParaRPr>
-          </a:p>
-        </p:txBody>
-      </p:sp>
-    </p:spTree>
-    <p:extLst>
-      <p:ext uri="{BB962C8B-B14F-4D97-AF65-F5344CB8AC3E}">
-        <p14:creationId xmlns:p14="http://schemas.microsoft.com/office/powerpoint/2010/main" val="687063187"/>
-      </p:ext>
-    </p:extLst>
-  </p:cSld>
-  <p:clrMapOvr>
-    <a:masterClrMapping/>
-  </p:clrMapOvr>
-</p:sld>
-</file>
-
-<file path=ppt/slides/slide12.xml><?xml version="1.0" encoding="utf-8"?>
-<p:sld xmlns:a="http://schemas.openxmlformats.org/drawingml/2006/main" xmlns:r="http://schemas.openxmlformats.org/officeDocument/2006/relationships" xmlns:p="http://schemas.openxmlformats.org/presentationml/2006/main">
-  <p:cSld>
-    <p:spTree>
-      <p:nvGrpSpPr>
-        <p:cNvPr id="1" name=""/>
-        <p:cNvGrpSpPr/>
-        <p:nvPr/>
-      </p:nvGrpSpPr>
-      <p:grpSpPr>
-        <a:xfrm>
-          <a:off x="0" y="0"/>
-          <a:ext cx="0" cy="0"/>
-          <a:chOff x="0" y="0"/>
-          <a:chExt cx="0" cy="0"/>
-        </a:xfrm>
-      </p:grpSpPr>
-      <p:pic>
-        <p:nvPicPr>
-          <p:cNvPr id="2" name="그림 1"/>
-          <p:cNvPicPr>
-            <a:picLocks noChangeAspect="1"/>
-          </p:cNvPicPr>
-          <p:nvPr/>
-        </p:nvPicPr>
-        <p:blipFill>
-          <a:blip r:embed="rId2"/>
-          <a:stretch>
-            <a:fillRect/>
-          </a:stretch>
-        </p:blipFill>
-        <p:spPr>
-          <a:xfrm>
-            <a:off x="250825" y="1457182"/>
-            <a:ext cx="7316859" cy="4370412"/>
-          </a:xfrm>
-          <a:prstGeom prst="rect">
-            <a:avLst/>
-          </a:prstGeom>
-        </p:spPr>
-      </p:pic>
-      <p:sp>
-        <p:nvSpPr>
-          <p:cNvPr id="9" name="TextBox 8"/>
-          <p:cNvSpPr txBox="1"/>
-          <p:nvPr/>
-        </p:nvSpPr>
-        <p:spPr>
-          <a:xfrm>
-            <a:off x="146908" y="246186"/>
-            <a:ext cx="1819729" cy="400110"/>
-          </a:xfrm>
-          <a:prstGeom prst="rect">
-            <a:avLst/>
-          </a:prstGeom>
-          <a:noFill/>
-        </p:spPr>
-        <p:txBody>
-          <a:bodyPr wrap="none" rtlCol="0">
-            <a:spAutoFit/>
-          </a:bodyPr>
-          <a:lstStyle/>
-          <a:p>
-            <a:r>
-              <a:rPr lang="en-US" altLang="ko-KR" sz="2000" smtClean="0">
-                <a:latin typeface="맑은 고딕" pitchFamily="50" charset="-127"/>
-              </a:rPr>
-              <a:t>Node.js Install</a:t>
-            </a:r>
-            <a:endParaRPr lang="ko-KR" altLang="en-US" sz="2000" dirty="0">
-              <a:latin typeface="맑은 고딕" pitchFamily="50" charset="-127"/>
-            </a:endParaRPr>
-          </a:p>
-        </p:txBody>
-      </p:sp>
-      <p:sp>
-        <p:nvSpPr>
-          <p:cNvPr id="10" name="TextBox 9"/>
-          <p:cNvSpPr txBox="1"/>
-          <p:nvPr/>
-        </p:nvSpPr>
-        <p:spPr>
-          <a:xfrm>
-            <a:off x="250825" y="999542"/>
-            <a:ext cx="1529201" cy="338554"/>
-          </a:xfrm>
-          <a:prstGeom prst="rect">
-            <a:avLst/>
-          </a:prstGeom>
-          <a:noFill/>
-        </p:spPr>
-        <p:txBody>
-          <a:bodyPr wrap="none" rtlCol="0">
-            <a:spAutoFit/>
-          </a:bodyPr>
-          <a:lstStyle/>
-          <a:p>
-            <a:r>
-              <a:rPr lang="ko-KR" altLang="en-US" sz="1600" smtClean="0">
-                <a:latin typeface="+mn-ea"/>
-              </a:rPr>
-              <a:t>▒ </a:t>
-            </a:r>
-            <a:r>
-              <a:rPr lang="en-US" altLang="ko-KR" sz="1600" smtClean="0">
-                <a:latin typeface="+mn-ea"/>
-              </a:rPr>
-              <a:t>Server </a:t>
-            </a:r>
-            <a:r>
-              <a:rPr lang="ko-KR" altLang="en-US" sz="1600" smtClean="0">
-                <a:latin typeface="+mn-ea"/>
-              </a:rPr>
-              <a:t>실행</a:t>
-            </a:r>
-          </a:p>
-        </p:txBody>
-      </p:sp>
-    </p:spTree>
-    <p:extLst>
-      <p:ext uri="{BB962C8B-B14F-4D97-AF65-F5344CB8AC3E}">
-        <p14:creationId xmlns:p14="http://schemas.microsoft.com/office/powerpoint/2010/main" val="1185689229"/>
-      </p:ext>
-    </p:extLst>
-  </p:cSld>
-  <p:clrMapOvr>
-    <a:masterClrMapping/>
-  </p:clrMapOvr>
-</p:sld>
-</file>
-
-<file path=ppt/slides/slide13.xml><?xml version="1.0" encoding="utf-8"?>
-<p:sld xmlns:a="http://schemas.openxmlformats.org/drawingml/2006/main" xmlns:r="http://schemas.openxmlformats.org/officeDocument/2006/relationships" xmlns:p="http://schemas.openxmlformats.org/presentationml/2006/main">
-  <p:cSld>
-    <p:spTree>
-      <p:nvGrpSpPr>
-        <p:cNvPr id="1" name=""/>
-        <p:cNvGrpSpPr/>
-        <p:nvPr/>
-      </p:nvGrpSpPr>
-      <p:grpSpPr>
-        <a:xfrm>
-          <a:off x="0" y="0"/>
-          <a:ext cx="0" cy="0"/>
-          <a:chOff x="0" y="0"/>
-          <a:chExt cx="0" cy="0"/>
-        </a:xfrm>
-      </p:grpSpPr>
-      <p:pic>
-        <p:nvPicPr>
-          <p:cNvPr id="2" name="그림 1"/>
-          <p:cNvPicPr>
-            <a:picLocks noChangeAspect="1"/>
-          </p:cNvPicPr>
-          <p:nvPr/>
-        </p:nvPicPr>
-        <p:blipFill>
-          <a:blip r:embed="rId2"/>
-          <a:stretch>
-            <a:fillRect/>
-          </a:stretch>
-        </p:blipFill>
-        <p:spPr>
-          <a:xfrm>
-            <a:off x="250825" y="1520825"/>
-            <a:ext cx="6900873" cy="3068898"/>
-          </a:xfrm>
-          <a:prstGeom prst="rect">
-            <a:avLst/>
-          </a:prstGeom>
-        </p:spPr>
-      </p:pic>
-      <p:sp>
-        <p:nvSpPr>
-          <p:cNvPr id="3" name="TextBox 2"/>
-          <p:cNvSpPr txBox="1"/>
-          <p:nvPr/>
-        </p:nvSpPr>
-        <p:spPr>
-          <a:xfrm>
-            <a:off x="146908" y="246186"/>
-            <a:ext cx="1819729" cy="400110"/>
-          </a:xfrm>
-          <a:prstGeom prst="rect">
-            <a:avLst/>
-          </a:prstGeom>
-          <a:noFill/>
-        </p:spPr>
-        <p:txBody>
-          <a:bodyPr wrap="none" rtlCol="0">
-            <a:spAutoFit/>
-          </a:bodyPr>
-          <a:lstStyle/>
-          <a:p>
-            <a:r>
-              <a:rPr lang="en-US" altLang="ko-KR" sz="2000" smtClean="0">
-                <a:latin typeface="맑은 고딕" pitchFamily="50" charset="-127"/>
-              </a:rPr>
-              <a:t>Node.js Install</a:t>
-            </a:r>
-            <a:endParaRPr lang="ko-KR" altLang="en-US" sz="2000" dirty="0">
-              <a:latin typeface="맑은 고딕" pitchFamily="50" charset="-127"/>
-            </a:endParaRPr>
-          </a:p>
-        </p:txBody>
-      </p:sp>
-      <p:sp>
-        <p:nvSpPr>
-          <p:cNvPr id="4" name="TextBox 3"/>
-          <p:cNvSpPr txBox="1"/>
-          <p:nvPr/>
-        </p:nvSpPr>
-        <p:spPr>
-          <a:xfrm>
-            <a:off x="250825" y="999542"/>
-            <a:ext cx="2111475" cy="338554"/>
-          </a:xfrm>
-          <a:prstGeom prst="rect">
-            <a:avLst/>
-          </a:prstGeom>
-          <a:noFill/>
-        </p:spPr>
-        <p:txBody>
-          <a:bodyPr wrap="none" rtlCol="0">
-            <a:spAutoFit/>
-          </a:bodyPr>
-          <a:lstStyle/>
-          <a:p>
-            <a:r>
-              <a:rPr lang="ko-KR" altLang="en-US" sz="1600" smtClean="0">
-                <a:latin typeface="+mn-ea"/>
-              </a:rPr>
-              <a:t>▒ </a:t>
-            </a:r>
-            <a:r>
-              <a:rPr lang="en-US" altLang="ko-KR" sz="1600" smtClean="0">
-                <a:latin typeface="+mn-ea"/>
-              </a:rPr>
-              <a:t>index.js </a:t>
-            </a:r>
-            <a:r>
-              <a:rPr lang="ko-KR" altLang="en-US" sz="1600" smtClean="0">
-                <a:latin typeface="+mn-ea"/>
-              </a:rPr>
-              <a:t>파일 생성</a:t>
-            </a:r>
-          </a:p>
-        </p:txBody>
-      </p:sp>
-    </p:spTree>
-    <p:extLst>
-      <p:ext uri="{BB962C8B-B14F-4D97-AF65-F5344CB8AC3E}">
-        <p14:creationId xmlns:p14="http://schemas.microsoft.com/office/powerpoint/2010/main" val="196906736"/>
-      </p:ext>
-    </p:extLst>
-  </p:cSld>
-  <p:clrMapOvr>
-    <a:masterClrMapping/>
-  </p:clrMapOvr>
-</p:sld>
-</file>
-
-<file path=ppt/slides/slide14.xml><?xml version="1.0" encoding="utf-8"?>
-<p:sld xmlns:a="http://schemas.openxmlformats.org/drawingml/2006/main" xmlns:r="http://schemas.openxmlformats.org/officeDocument/2006/relationships" xmlns:p="http://schemas.openxmlformats.org/presentationml/2006/main">
-  <p:cSld>
-    <p:spTree>
-      <p:nvGrpSpPr>
-        <p:cNvPr id="1" name=""/>
-        <p:cNvGrpSpPr/>
-        <p:nvPr/>
-      </p:nvGrpSpPr>
-      <p:grpSpPr>
-        <a:xfrm>
-          <a:off x="0" y="0"/>
-          <a:ext cx="0" cy="0"/>
-          <a:chOff x="0" y="0"/>
-          <a:chExt cx="0" cy="0"/>
-        </a:xfrm>
-      </p:grpSpPr>
-      <p:pic>
-        <p:nvPicPr>
-          <p:cNvPr id="2" name="그림 1"/>
-          <p:cNvPicPr>
-            <a:picLocks noChangeAspect="1"/>
-          </p:cNvPicPr>
-          <p:nvPr/>
-        </p:nvPicPr>
-        <p:blipFill>
-          <a:blip r:embed="rId2"/>
-          <a:stretch>
-            <a:fillRect/>
-          </a:stretch>
-        </p:blipFill>
-        <p:spPr>
-          <a:xfrm>
-            <a:off x="250825" y="1520825"/>
-            <a:ext cx="6539624" cy="2039802"/>
-          </a:xfrm>
-          <a:prstGeom prst="rect">
-            <a:avLst/>
-          </a:prstGeom>
-        </p:spPr>
-      </p:pic>
-      <p:sp>
-        <p:nvSpPr>
-          <p:cNvPr id="3" name="TextBox 2"/>
-          <p:cNvSpPr txBox="1"/>
-          <p:nvPr/>
-        </p:nvSpPr>
-        <p:spPr>
-          <a:xfrm>
-            <a:off x="250825" y="999542"/>
-            <a:ext cx="2111475" cy="338554"/>
-          </a:xfrm>
-          <a:prstGeom prst="rect">
-            <a:avLst/>
-          </a:prstGeom>
-          <a:noFill/>
-        </p:spPr>
-        <p:txBody>
-          <a:bodyPr wrap="none" rtlCol="0">
-            <a:spAutoFit/>
-          </a:bodyPr>
-          <a:lstStyle/>
-          <a:p>
-            <a:r>
-              <a:rPr lang="ko-KR" altLang="en-US" sz="1600" smtClean="0">
-                <a:latin typeface="+mn-ea"/>
-              </a:rPr>
-              <a:t>▒ </a:t>
-            </a:r>
-            <a:r>
-              <a:rPr lang="en-US" altLang="ko-KR" sz="1600" smtClean="0">
-                <a:latin typeface="+mn-ea"/>
-              </a:rPr>
-              <a:t>index.js </a:t>
-            </a:r>
-            <a:r>
-              <a:rPr lang="ko-KR" altLang="en-US" sz="1600" smtClean="0">
-                <a:latin typeface="+mn-ea"/>
-              </a:rPr>
-              <a:t>코드</a:t>
-            </a:r>
-            <a:r>
-              <a:rPr lang="en-US" altLang="ko-KR" sz="1600" smtClean="0">
-                <a:latin typeface="+mn-ea"/>
-              </a:rPr>
-              <a:t> </a:t>
-            </a:r>
-            <a:r>
-              <a:rPr lang="ko-KR" altLang="en-US" sz="1600" smtClean="0">
-                <a:latin typeface="+mn-ea"/>
-              </a:rPr>
-              <a:t>생성</a:t>
-            </a:r>
-          </a:p>
-        </p:txBody>
-      </p:sp>
-      <p:sp>
-        <p:nvSpPr>
-          <p:cNvPr id="4" name="TextBox 3"/>
-          <p:cNvSpPr txBox="1"/>
-          <p:nvPr/>
-        </p:nvSpPr>
-        <p:spPr>
-          <a:xfrm>
-            <a:off x="146908" y="246186"/>
-            <a:ext cx="1819729" cy="400110"/>
-          </a:xfrm>
-          <a:prstGeom prst="rect">
-            <a:avLst/>
-          </a:prstGeom>
-          <a:noFill/>
-        </p:spPr>
-        <p:txBody>
-          <a:bodyPr wrap="none" rtlCol="0">
-            <a:spAutoFit/>
-          </a:bodyPr>
-          <a:lstStyle/>
-          <a:p>
-            <a:r>
-              <a:rPr lang="en-US" altLang="ko-KR" sz="2000" smtClean="0">
-                <a:latin typeface="맑은 고딕" pitchFamily="50" charset="-127"/>
-              </a:rPr>
-              <a:t>Node.js Install</a:t>
-            </a:r>
-            <a:endParaRPr lang="ko-KR" altLang="en-US" sz="2000" dirty="0">
-              <a:latin typeface="맑은 고딕" pitchFamily="50" charset="-127"/>
-            </a:endParaRPr>
-          </a:p>
-        </p:txBody>
-      </p:sp>
-    </p:spTree>
-    <p:extLst>
-      <p:ext uri="{BB962C8B-B14F-4D97-AF65-F5344CB8AC3E}">
-        <p14:creationId xmlns:p14="http://schemas.microsoft.com/office/powerpoint/2010/main" val="2087278194"/>
-      </p:ext>
-    </p:extLst>
-  </p:cSld>
-  <p:clrMapOvr>
-    <a:masterClrMapping/>
-  </p:clrMapOvr>
-</p:sld>
-</file>
-
-<file path=ppt/slides/slide15.xml><?xml version="1.0" encoding="utf-8"?>
-<p:sld xmlns:a="http://schemas.openxmlformats.org/drawingml/2006/main" xmlns:r="http://schemas.openxmlformats.org/officeDocument/2006/relationships" xmlns:p="http://schemas.openxmlformats.org/presentationml/2006/main">
-  <p:cSld>
-    <p:spTree>
-      <p:nvGrpSpPr>
-        <p:cNvPr id="1" name=""/>
-        <p:cNvGrpSpPr/>
-        <p:nvPr/>
-      </p:nvGrpSpPr>
-      <p:grpSpPr>
-        <a:xfrm>
-          <a:off x="0" y="0"/>
-          <a:ext cx="0" cy="0"/>
-          <a:chOff x="0" y="0"/>
-          <a:chExt cx="0" cy="0"/>
-        </a:xfrm>
-      </p:grpSpPr>
-      <p:pic>
-        <p:nvPicPr>
-          <p:cNvPr id="3" name="그림 2"/>
-          <p:cNvPicPr>
-            <a:picLocks noChangeAspect="1"/>
-          </p:cNvPicPr>
-          <p:nvPr/>
-        </p:nvPicPr>
-        <p:blipFill>
-          <a:blip r:embed="rId2"/>
-          <a:stretch>
-            <a:fillRect/>
-          </a:stretch>
-        </p:blipFill>
-        <p:spPr>
-          <a:xfrm>
-            <a:off x="250825" y="1520825"/>
-            <a:ext cx="8068386" cy="4050795"/>
-          </a:xfrm>
-          <a:prstGeom prst="rect">
-            <a:avLst/>
-          </a:prstGeom>
-        </p:spPr>
-      </p:pic>
-      <p:sp>
-        <p:nvSpPr>
-          <p:cNvPr id="4" name="TextBox 3"/>
-          <p:cNvSpPr txBox="1"/>
-          <p:nvPr/>
-        </p:nvSpPr>
-        <p:spPr>
-          <a:xfrm>
-            <a:off x="146908" y="246186"/>
-            <a:ext cx="1819729" cy="400110"/>
-          </a:xfrm>
-          <a:prstGeom prst="rect">
-            <a:avLst/>
-          </a:prstGeom>
-          <a:noFill/>
-        </p:spPr>
-        <p:txBody>
-          <a:bodyPr wrap="none" rtlCol="0">
-            <a:spAutoFit/>
-          </a:bodyPr>
-          <a:lstStyle/>
-          <a:p>
-            <a:r>
-              <a:rPr lang="en-US" altLang="ko-KR" sz="2000" smtClean="0">
-                <a:latin typeface="맑은 고딕" pitchFamily="50" charset="-127"/>
-              </a:rPr>
-              <a:t>Node.js Install</a:t>
-            </a:r>
-            <a:endParaRPr lang="ko-KR" altLang="en-US" sz="2000" dirty="0">
-              <a:latin typeface="맑은 고딕" pitchFamily="50" charset="-127"/>
-            </a:endParaRPr>
-          </a:p>
-        </p:txBody>
-      </p:sp>
-      <p:sp>
-        <p:nvSpPr>
-          <p:cNvPr id="5" name="TextBox 4"/>
-          <p:cNvSpPr txBox="1"/>
-          <p:nvPr/>
-        </p:nvSpPr>
-        <p:spPr>
-          <a:xfrm>
-            <a:off x="250825" y="999542"/>
-            <a:ext cx="2783134" cy="338554"/>
-          </a:xfrm>
-          <a:prstGeom prst="rect">
-            <a:avLst/>
-          </a:prstGeom>
-          <a:noFill/>
-        </p:spPr>
-        <p:txBody>
-          <a:bodyPr wrap="none" rtlCol="0">
-            <a:spAutoFit/>
-          </a:bodyPr>
-          <a:lstStyle/>
-          <a:p>
-            <a:r>
-              <a:rPr lang="ko-KR" altLang="en-US" sz="1600" smtClean="0">
-                <a:latin typeface="+mn-ea"/>
-              </a:rPr>
-              <a:t>▒ 서버 동작 확인</a:t>
-            </a:r>
-            <a:r>
-              <a:rPr lang="en-US" altLang="ko-KR" sz="1600" smtClean="0">
-                <a:latin typeface="+mn-ea"/>
-              </a:rPr>
-              <a:t>(</a:t>
-            </a:r>
-            <a:r>
-              <a:rPr lang="ko-KR" altLang="en-US" sz="1600" smtClean="0">
-                <a:latin typeface="+mn-ea"/>
-              </a:rPr>
-              <a:t>브라우저</a:t>
-            </a:r>
-            <a:r>
-              <a:rPr lang="en-US" altLang="ko-KR" sz="1600" smtClean="0">
-                <a:latin typeface="+mn-ea"/>
-              </a:rPr>
-              <a:t>)</a:t>
-            </a:r>
-            <a:endParaRPr lang="ko-KR" altLang="en-US" sz="1600" smtClean="0">
-              <a:latin typeface="+mn-ea"/>
-            </a:endParaRPr>
-          </a:p>
-        </p:txBody>
-      </p:sp>
-    </p:spTree>
-    <p:extLst>
-      <p:ext uri="{BB962C8B-B14F-4D97-AF65-F5344CB8AC3E}">
-        <p14:creationId xmlns:p14="http://schemas.microsoft.com/office/powerpoint/2010/main" val="501938673"/>
-      </p:ext>
-    </p:extLst>
-  </p:cSld>
-  <p:clrMapOvr>
-    <a:masterClrMapping/>
-  </p:clrMapOvr>
-  <p:timing>
-    <p:tnLst>
-      <p:par>
-        <p:cTn id="1" dur="indefinite" restart="never" nodeType="tmRoot"/>
-      </p:par>
-    </p:tnLst>
-  </p:timing>
-</p:sld>
-</file>
-
-<file path=ppt/slides/slide16.xml><?xml version="1.0" encoding="utf-8"?>
-<p:sld xmlns:a="http://schemas.openxmlformats.org/drawingml/2006/main" xmlns:r="http://schemas.openxmlformats.org/officeDocument/2006/relationships" xmlns:p="http://schemas.openxmlformats.org/presentationml/2006/main">
-  <p:cSld>
-    <p:spTree>
-      <p:nvGrpSpPr>
-        <p:cNvPr id="1" name=""/>
-        <p:cNvGrpSpPr/>
-        <p:nvPr/>
-      </p:nvGrpSpPr>
-      <p:grpSpPr>
-        <a:xfrm>
-          <a:off x="0" y="0"/>
-          <a:ext cx="0" cy="0"/>
-          <a:chOff x="0" y="0"/>
-          <a:chExt cx="0" cy="0"/>
-        </a:xfrm>
-      </p:grpSpPr>
-      <p:sp>
-        <p:nvSpPr>
-          <p:cNvPr id="2" name="직사각형 1"/>
-          <p:cNvSpPr/>
-          <p:nvPr/>
-        </p:nvSpPr>
-        <p:spPr>
-          <a:xfrm>
-            <a:off x="2850888" y="2671524"/>
-            <a:ext cx="1397690" cy="323165"/>
-          </a:xfrm>
-          <a:prstGeom prst="rect">
-            <a:avLst/>
-          </a:prstGeom>
-        </p:spPr>
-        <p:txBody>
-          <a:bodyPr wrap="none">
-            <a:spAutoFit/>
-          </a:bodyPr>
-          <a:lstStyle/>
-          <a:p>
-            <a:r>
-              <a:rPr lang="en-US" altLang="ko-KR" sz="1500" b="1" i="1" smtClean="0">
-                <a:solidFill>
-                  <a:srgbClr val="FF0000"/>
-                </a:solidFill>
-              </a:rPr>
-              <a:t>Add Contents !</a:t>
-            </a:r>
-            <a:r>
-              <a:rPr lang="en-US" altLang="ko-KR" sz="1500" i="1" smtClean="0">
-                <a:solidFill>
-                  <a:srgbClr val="FF0000"/>
-                </a:solidFill>
-              </a:rPr>
-              <a:t> </a:t>
-            </a:r>
-            <a:endParaRPr lang="ko-KR" altLang="en-US" sz="1500" i="1" dirty="0">
-              <a:solidFill>
-                <a:srgbClr val="FF0000"/>
-              </a:solidFill>
-            </a:endParaRPr>
-          </a:p>
-        </p:txBody>
-      </p:sp>
-      <p:sp>
-        <p:nvSpPr>
-          <p:cNvPr id="3" name="TextBox 2"/>
-          <p:cNvSpPr txBox="1"/>
-          <p:nvPr/>
-        </p:nvSpPr>
-        <p:spPr>
-          <a:xfrm>
-            <a:off x="2641022" y="2946922"/>
-            <a:ext cx="3861955" cy="646331"/>
-          </a:xfrm>
-          <a:prstGeom prst="rect">
-            <a:avLst/>
-          </a:prstGeom>
-          <a:noFill/>
-        </p:spPr>
-        <p:txBody>
-          <a:bodyPr wrap="none" rtlCol="0">
-            <a:spAutoFit/>
-          </a:bodyPr>
-          <a:lstStyle/>
-          <a:p>
-            <a:r>
-              <a:rPr lang="en-US" altLang="ko-KR" sz="3600" b="1" smtClean="0">
-                <a:latin typeface="+mn-ea"/>
-              </a:rPr>
-              <a:t>Another Method</a:t>
-            </a:r>
-            <a:endParaRPr lang="ko-KR" altLang="en-US" sz="3600" b="1" smtClean="0">
-              <a:latin typeface="+mn-ea"/>
-            </a:endParaRPr>
-          </a:p>
-        </p:txBody>
-      </p:sp>
-    </p:spTree>
-    <p:extLst>
-      <p:ext uri="{BB962C8B-B14F-4D97-AF65-F5344CB8AC3E}">
-        <p14:creationId xmlns:p14="http://schemas.microsoft.com/office/powerpoint/2010/main" val="1640531244"/>
-      </p:ext>
-    </p:extLst>
-  </p:cSld>
-  <p:clrMapOvr>
-    <a:masterClrMapping/>
-  </p:clrMapOvr>
-</p:sld>
-</file>
-
-<file path=ppt/slides/slide17.xml><?xml version="1.0" encoding="utf-8"?>
-<p:sld xmlns:a="http://schemas.openxmlformats.org/drawingml/2006/main" xmlns:r="http://schemas.openxmlformats.org/officeDocument/2006/relationships" xmlns:p="http://schemas.openxmlformats.org/presentationml/2006/main">
-  <p:cSld>
-    <p:spTree>
-      <p:nvGrpSpPr>
-        <p:cNvPr id="1" name=""/>
-        <p:cNvGrpSpPr/>
-        <p:nvPr/>
-      </p:nvGrpSpPr>
-      <p:grpSpPr>
-        <a:xfrm>
-          <a:off x="0" y="0"/>
-          <a:ext cx="0" cy="0"/>
-          <a:chOff x="0" y="0"/>
-          <a:chExt cx="0" cy="0"/>
-        </a:xfrm>
-      </p:grpSpPr>
-      <p:sp>
-        <p:nvSpPr>
-          <p:cNvPr id="2" name="TextBox 1"/>
-          <p:cNvSpPr txBox="1"/>
-          <p:nvPr/>
-        </p:nvSpPr>
-        <p:spPr>
-          <a:xfrm>
-            <a:off x="146908" y="246186"/>
-            <a:ext cx="1819729" cy="400110"/>
-          </a:xfrm>
-          <a:prstGeom prst="rect">
-            <a:avLst/>
-          </a:prstGeom>
-          <a:noFill/>
-        </p:spPr>
-        <p:txBody>
-          <a:bodyPr wrap="none" rtlCol="0">
-            <a:spAutoFit/>
-          </a:bodyPr>
-          <a:lstStyle/>
-          <a:p>
-            <a:r>
-              <a:rPr lang="en-US" altLang="ko-KR" sz="2000" smtClean="0">
-                <a:latin typeface="맑은 고딕" pitchFamily="50" charset="-127"/>
-              </a:rPr>
-              <a:t>Node.js Install</a:t>
-            </a:r>
-            <a:endParaRPr lang="ko-KR" altLang="en-US" sz="2000" dirty="0">
-              <a:latin typeface="맑은 고딕" pitchFamily="50" charset="-127"/>
-            </a:endParaRPr>
-          </a:p>
-        </p:txBody>
-      </p:sp>
-      <p:sp>
-        <p:nvSpPr>
-          <p:cNvPr id="3" name="TextBox 2"/>
-          <p:cNvSpPr txBox="1"/>
-          <p:nvPr/>
-        </p:nvSpPr>
-        <p:spPr>
-          <a:xfrm>
-            <a:off x="250825" y="2964820"/>
-            <a:ext cx="2809167" cy="338554"/>
-          </a:xfrm>
-          <a:prstGeom prst="rect">
-            <a:avLst/>
-          </a:prstGeom>
-          <a:noFill/>
-        </p:spPr>
-        <p:txBody>
-          <a:bodyPr wrap="none" rtlCol="0">
-            <a:spAutoFit/>
-          </a:bodyPr>
-          <a:lstStyle/>
-          <a:p>
-            <a:r>
-              <a:rPr lang="ko-KR" altLang="en-US" sz="1600" smtClean="0">
-                <a:latin typeface="+mn-ea"/>
-              </a:rPr>
-              <a:t>▒ </a:t>
-            </a:r>
-            <a:r>
-              <a:rPr lang="en-US" altLang="ko-KR" sz="1600" smtClean="0">
-                <a:latin typeface="+mn-ea"/>
-              </a:rPr>
-              <a:t>app.js, server.js</a:t>
-            </a:r>
-            <a:r>
-              <a:rPr lang="ko-KR" altLang="en-US" sz="1600" smtClean="0">
-                <a:latin typeface="+mn-ea"/>
-              </a:rPr>
-              <a:t> 코드 생성</a:t>
-            </a:r>
-          </a:p>
-        </p:txBody>
-      </p:sp>
-      <p:pic>
-        <p:nvPicPr>
-          <p:cNvPr id="4" name="그림 3"/>
-          <p:cNvPicPr>
-            <a:picLocks noChangeAspect="1"/>
-          </p:cNvPicPr>
-          <p:nvPr/>
-        </p:nvPicPr>
-        <p:blipFill>
-          <a:blip r:embed="rId2"/>
-          <a:stretch>
-            <a:fillRect/>
-          </a:stretch>
-        </p:blipFill>
-        <p:spPr>
-          <a:xfrm>
-            <a:off x="250825" y="3824383"/>
-            <a:ext cx="4191522" cy="1606408"/>
-          </a:xfrm>
-          <a:prstGeom prst="rect">
-            <a:avLst/>
-          </a:prstGeom>
-        </p:spPr>
-      </p:pic>
-      <p:sp>
-        <p:nvSpPr>
-          <p:cNvPr id="5" name="직사각형 4"/>
-          <p:cNvSpPr/>
-          <p:nvPr/>
-        </p:nvSpPr>
-        <p:spPr>
-          <a:xfrm>
-            <a:off x="250825" y="3423537"/>
-            <a:ext cx="1045713" cy="280679"/>
-          </a:xfrm>
-          <a:prstGeom prst="rect">
-            <a:avLst/>
-          </a:prstGeom>
-          <a:solidFill>
-            <a:srgbClr val="0000CC"/>
-          </a:solidFill>
-        </p:spPr>
-        <p:style>
-          <a:lnRef idx="2">
-            <a:schemeClr val="accent1">
-              <a:shade val="50000"/>
-            </a:schemeClr>
-          </a:lnRef>
-          <a:fillRef idx="1">
-            <a:schemeClr val="accent1"/>
-          </a:fillRef>
-          <a:effectRef idx="0">
-            <a:schemeClr val="accent1"/>
-          </a:effectRef>
-          <a:fontRef idx="minor">
-            <a:schemeClr val="lt1"/>
-          </a:fontRef>
-        </p:style>
-        <p:txBody>
-          <a:bodyPr rtlCol="0" anchor="ctr"/>
-          <a:lstStyle/>
-          <a:p>
-            <a:pPr algn="ctr"/>
-            <a:r>
-              <a:rPr lang="en-US" altLang="ko-KR" smtClean="0"/>
-              <a:t>app.js</a:t>
-            </a:r>
-            <a:endParaRPr lang="ko-KR" altLang="en-US"/>
-          </a:p>
-        </p:txBody>
-      </p:sp>
-      <p:pic>
-        <p:nvPicPr>
-          <p:cNvPr id="6" name="그림 5"/>
-          <p:cNvPicPr>
-            <a:picLocks noChangeAspect="1"/>
-          </p:cNvPicPr>
-          <p:nvPr/>
-        </p:nvPicPr>
-        <p:blipFill>
-          <a:blip r:embed="rId3"/>
-          <a:stretch>
-            <a:fillRect/>
-          </a:stretch>
-        </p:blipFill>
-        <p:spPr>
-          <a:xfrm>
-            <a:off x="4688006" y="3824383"/>
-            <a:ext cx="4240094" cy="1606408"/>
-          </a:xfrm>
-          <a:prstGeom prst="rect">
-            <a:avLst/>
-          </a:prstGeom>
-        </p:spPr>
-      </p:pic>
-      <p:sp>
-        <p:nvSpPr>
-          <p:cNvPr id="7" name="직사각형 6"/>
-          <p:cNvSpPr/>
-          <p:nvPr/>
-        </p:nvSpPr>
-        <p:spPr>
-          <a:xfrm>
-            <a:off x="4688007" y="3423538"/>
-            <a:ext cx="1045713" cy="280679"/>
-          </a:xfrm>
-          <a:prstGeom prst="rect">
-            <a:avLst/>
-          </a:prstGeom>
-          <a:solidFill>
-            <a:srgbClr val="0000CC"/>
-          </a:solidFill>
-        </p:spPr>
-        <p:style>
-          <a:lnRef idx="2">
-            <a:schemeClr val="accent1">
-              <a:shade val="50000"/>
-            </a:schemeClr>
-          </a:lnRef>
-          <a:fillRef idx="1">
-            <a:schemeClr val="accent1"/>
-          </a:fillRef>
-          <a:effectRef idx="0">
-            <a:schemeClr val="accent1"/>
-          </a:effectRef>
-          <a:fontRef idx="minor">
-            <a:schemeClr val="lt1"/>
-          </a:fontRef>
-        </p:style>
-        <p:txBody>
-          <a:bodyPr rtlCol="0" anchor="ctr"/>
-          <a:lstStyle/>
-          <a:p>
-            <a:pPr algn="ctr"/>
-            <a:r>
-              <a:rPr lang="en-US" altLang="ko-KR" smtClean="0"/>
-              <a:t>server.js</a:t>
-            </a:r>
-            <a:endParaRPr lang="ko-KR" altLang="en-US"/>
-          </a:p>
-        </p:txBody>
-      </p:sp>
-      <p:pic>
-        <p:nvPicPr>
-          <p:cNvPr id="10" name="그림 9"/>
-          <p:cNvPicPr>
-            <a:picLocks noChangeAspect="1"/>
-          </p:cNvPicPr>
-          <p:nvPr/>
-        </p:nvPicPr>
-        <p:blipFill>
-          <a:blip r:embed="rId4"/>
-          <a:stretch>
-            <a:fillRect/>
-          </a:stretch>
-        </p:blipFill>
-        <p:spPr>
-          <a:xfrm>
-            <a:off x="250825" y="1520825"/>
-            <a:ext cx="5706257" cy="1043338"/>
-          </a:xfrm>
-          <a:prstGeom prst="rect">
-            <a:avLst/>
-          </a:prstGeom>
-        </p:spPr>
-      </p:pic>
-      <p:sp>
-        <p:nvSpPr>
-          <p:cNvPr id="11" name="TextBox 10"/>
-          <p:cNvSpPr txBox="1"/>
-          <p:nvPr/>
-        </p:nvSpPr>
-        <p:spPr>
-          <a:xfrm>
-            <a:off x="198509" y="1002884"/>
-            <a:ext cx="1682192" cy="338554"/>
-          </a:xfrm>
-          <a:prstGeom prst="rect">
-            <a:avLst/>
-          </a:prstGeom>
-          <a:noFill/>
-        </p:spPr>
-        <p:txBody>
-          <a:bodyPr wrap="none" rtlCol="0">
-            <a:spAutoFit/>
-          </a:bodyPr>
-          <a:lstStyle/>
-          <a:p>
-            <a:r>
-              <a:rPr lang="ko-KR" altLang="en-US" sz="1600" smtClean="0">
-                <a:latin typeface="+mn-ea"/>
-              </a:rPr>
-              <a:t>▒ </a:t>
-            </a:r>
-            <a:r>
-              <a:rPr lang="en-US" altLang="ko-KR" sz="1600" smtClean="0">
-                <a:latin typeface="+mn-ea"/>
-              </a:rPr>
-              <a:t>src </a:t>
-            </a:r>
-            <a:r>
-              <a:rPr lang="ko-KR" altLang="en-US" sz="1600" smtClean="0">
-                <a:latin typeface="+mn-ea"/>
-              </a:rPr>
-              <a:t>폴더 생성</a:t>
-            </a:r>
-          </a:p>
-        </p:txBody>
-      </p:sp>
-      <p:cxnSp>
-        <p:nvCxnSpPr>
-          <p:cNvPr id="13" name="직선 화살표 연결선 12"/>
-          <p:cNvCxnSpPr/>
-          <p:nvPr/>
-        </p:nvCxnSpPr>
-        <p:spPr>
-          <a:xfrm flipH="1">
-            <a:off x="573206" y="2108579"/>
-            <a:ext cx="143301" cy="1356934"/>
-          </a:xfrm>
-          <a:prstGeom prst="straightConnector1">
-            <a:avLst/>
-          </a:prstGeom>
-          <a:ln w="12700">
-            <a:solidFill>
-              <a:schemeClr val="tx1"/>
-            </a:solidFill>
-            <a:prstDash val="solid"/>
-            <a:tailEnd type="triangle"/>
-          </a:ln>
-        </p:spPr>
-        <p:style>
-          <a:lnRef idx="1">
-            <a:schemeClr val="accent1"/>
-          </a:lnRef>
-          <a:fillRef idx="0">
-            <a:schemeClr val="accent1"/>
-          </a:fillRef>
-          <a:effectRef idx="0">
-            <a:schemeClr val="accent1"/>
-          </a:effectRef>
-          <a:fontRef idx="minor">
-            <a:schemeClr val="tx1"/>
-          </a:fontRef>
-        </p:style>
-      </p:cxnSp>
-      <p:cxnSp>
-        <p:nvCxnSpPr>
-          <p:cNvPr id="15" name="직선 화살표 연결선 14"/>
-          <p:cNvCxnSpPr/>
-          <p:nvPr/>
-        </p:nvCxnSpPr>
-        <p:spPr>
-          <a:xfrm>
-            <a:off x="1214651" y="2395182"/>
-            <a:ext cx="3473355" cy="962167"/>
-          </a:xfrm>
-          <a:prstGeom prst="straightConnector1">
-            <a:avLst/>
-          </a:prstGeom>
-          <a:ln w="12700">
-            <a:solidFill>
-              <a:schemeClr val="tx1"/>
-            </a:solidFill>
-            <a:prstDash val="solid"/>
-            <a:tailEnd type="triangle"/>
-          </a:ln>
-        </p:spPr>
-        <p:style>
-          <a:lnRef idx="1">
-            <a:schemeClr val="accent1"/>
-          </a:lnRef>
-          <a:fillRef idx="0">
-            <a:schemeClr val="accent1"/>
-          </a:fillRef>
-          <a:effectRef idx="0">
-            <a:schemeClr val="accent1"/>
-          </a:effectRef>
-          <a:fontRef idx="minor">
-            <a:schemeClr val="tx1"/>
-          </a:fontRef>
-        </p:style>
-      </p:cxnSp>
-    </p:spTree>
-    <p:extLst>
-      <p:ext uri="{BB962C8B-B14F-4D97-AF65-F5344CB8AC3E}">
-        <p14:creationId xmlns:p14="http://schemas.microsoft.com/office/powerpoint/2010/main" val="1456593893"/>
-      </p:ext>
-    </p:extLst>
-  </p:cSld>
-  <p:clrMapOvr>
-    <a:masterClrMapping/>
-  </p:clrMapOvr>
-</p:sld>
-</file>
-
-<file path=ppt/slides/slide18.xml><?xml version="1.0" encoding="utf-8"?>
-<p:sld xmlns:a="http://schemas.openxmlformats.org/drawingml/2006/main" xmlns:r="http://schemas.openxmlformats.org/officeDocument/2006/relationships" xmlns:p="http://schemas.openxmlformats.org/presentationml/2006/main">
-  <p:cSld>
-    <p:spTree>
-      <p:nvGrpSpPr>
-        <p:cNvPr id="1" name=""/>
-        <p:cNvGrpSpPr/>
-        <p:nvPr/>
-      </p:nvGrpSpPr>
-      <p:grpSpPr>
-        <a:xfrm>
-          <a:off x="0" y="0"/>
-          <a:ext cx="0" cy="0"/>
-          <a:chOff x="0" y="0"/>
-          <a:chExt cx="0" cy="0"/>
-        </a:xfrm>
-      </p:grpSpPr>
-      <p:pic>
-        <p:nvPicPr>
-          <p:cNvPr id="2" name="그림 1"/>
-          <p:cNvPicPr>
-            <a:picLocks noChangeAspect="1"/>
-          </p:cNvPicPr>
-          <p:nvPr/>
-        </p:nvPicPr>
-        <p:blipFill>
-          <a:blip r:embed="rId2"/>
-          <a:stretch>
-            <a:fillRect/>
-          </a:stretch>
-        </p:blipFill>
-        <p:spPr>
-          <a:xfrm>
-            <a:off x="250826" y="1778140"/>
-            <a:ext cx="5058155" cy="2709270"/>
-          </a:xfrm>
-          <a:prstGeom prst="rect">
-            <a:avLst/>
-          </a:prstGeom>
-        </p:spPr>
-      </p:pic>
-      <p:sp>
-        <p:nvSpPr>
-          <p:cNvPr id="3" name="직사각형 2"/>
-          <p:cNvSpPr/>
-          <p:nvPr/>
-        </p:nvSpPr>
-        <p:spPr>
-          <a:xfrm>
-            <a:off x="250825" y="1520825"/>
-            <a:ext cx="1715814" cy="280679"/>
-          </a:xfrm>
-          <a:prstGeom prst="rect">
-            <a:avLst/>
-          </a:prstGeom>
-          <a:solidFill>
-            <a:srgbClr val="0000CC"/>
-          </a:solidFill>
-        </p:spPr>
-        <p:style>
-          <a:lnRef idx="2">
-            <a:schemeClr val="accent1">
-              <a:shade val="50000"/>
-            </a:schemeClr>
-          </a:lnRef>
-          <a:fillRef idx="1">
-            <a:schemeClr val="accent1"/>
-          </a:fillRef>
-          <a:effectRef idx="0">
-            <a:schemeClr val="accent1"/>
-          </a:effectRef>
-          <a:fontRef idx="minor">
-            <a:schemeClr val="lt1"/>
-          </a:fontRef>
-        </p:style>
-        <p:txBody>
-          <a:bodyPr rtlCol="0" anchor="ctr"/>
-          <a:lstStyle/>
-          <a:p>
-            <a:pPr algn="ctr"/>
-            <a:r>
-              <a:rPr lang="en-US" altLang="ko-KR" smtClean="0"/>
-              <a:t>server </a:t>
-            </a:r>
-            <a:r>
-              <a:rPr lang="ko-KR" altLang="en-US" smtClean="0"/>
-              <a:t>실행</a:t>
-            </a:r>
-            <a:endParaRPr lang="ko-KR" altLang="en-US"/>
-          </a:p>
-        </p:txBody>
-      </p:sp>
-      <p:sp>
-        <p:nvSpPr>
-          <p:cNvPr id="4" name="TextBox 3"/>
-          <p:cNvSpPr txBox="1"/>
-          <p:nvPr/>
-        </p:nvSpPr>
-        <p:spPr>
-          <a:xfrm>
-            <a:off x="146908" y="246186"/>
-            <a:ext cx="1819729" cy="400110"/>
-          </a:xfrm>
-          <a:prstGeom prst="rect">
-            <a:avLst/>
-          </a:prstGeom>
-          <a:noFill/>
-        </p:spPr>
-        <p:txBody>
-          <a:bodyPr wrap="none" rtlCol="0">
-            <a:spAutoFit/>
-          </a:bodyPr>
-          <a:lstStyle/>
-          <a:p>
-            <a:r>
-              <a:rPr lang="en-US" altLang="ko-KR" sz="2000" smtClean="0">
-                <a:latin typeface="맑은 고딕" pitchFamily="50" charset="-127"/>
-              </a:rPr>
-              <a:t>Node.js Install</a:t>
-            </a:r>
-            <a:endParaRPr lang="ko-KR" altLang="en-US" sz="2000" dirty="0">
-              <a:latin typeface="맑은 고딕" pitchFamily="50" charset="-127"/>
-            </a:endParaRPr>
-          </a:p>
-        </p:txBody>
-      </p:sp>
-      <p:sp>
-        <p:nvSpPr>
-          <p:cNvPr id="5" name="TextBox 4"/>
-          <p:cNvSpPr txBox="1"/>
-          <p:nvPr/>
-        </p:nvSpPr>
-        <p:spPr>
-          <a:xfrm>
-            <a:off x="198509" y="1002884"/>
-            <a:ext cx="3181897" cy="338554"/>
-          </a:xfrm>
-          <a:prstGeom prst="rect">
-            <a:avLst/>
-          </a:prstGeom>
-          <a:noFill/>
-        </p:spPr>
-        <p:txBody>
-          <a:bodyPr wrap="none" rtlCol="0">
-            <a:spAutoFit/>
-          </a:bodyPr>
-          <a:lstStyle/>
-          <a:p>
-            <a:r>
-              <a:rPr lang="ko-KR" altLang="en-US" sz="1600" smtClean="0">
-                <a:latin typeface="+mn-ea"/>
-              </a:rPr>
-              <a:t>▒ </a:t>
-            </a:r>
-            <a:r>
-              <a:rPr lang="en-US" altLang="ko-KR" sz="1600" smtClean="0">
-                <a:latin typeface="+mn-ea"/>
-              </a:rPr>
-              <a:t>Server </a:t>
-            </a:r>
-            <a:r>
-              <a:rPr lang="ko-KR" altLang="en-US" sz="1600" smtClean="0">
-                <a:latin typeface="+mn-ea"/>
-              </a:rPr>
-              <a:t>실행 및 브라우저 확인</a:t>
-            </a:r>
-          </a:p>
-        </p:txBody>
-      </p:sp>
-      <p:pic>
-        <p:nvPicPr>
-          <p:cNvPr id="6" name="그림 5"/>
-          <p:cNvPicPr>
-            <a:picLocks noChangeAspect="1"/>
-          </p:cNvPicPr>
-          <p:nvPr/>
-        </p:nvPicPr>
-        <p:blipFill>
-          <a:blip r:embed="rId3"/>
-          <a:stretch>
-            <a:fillRect/>
-          </a:stretch>
-        </p:blipFill>
-        <p:spPr>
-          <a:xfrm>
-            <a:off x="3803405" y="3630304"/>
-            <a:ext cx="5053448" cy="2859396"/>
-          </a:xfrm>
-          <a:prstGeom prst="rect">
-            <a:avLst/>
-          </a:prstGeom>
-          <a:ln>
-            <a:solidFill>
-              <a:schemeClr val="tx1"/>
-            </a:solidFill>
-          </a:ln>
-        </p:spPr>
-      </p:pic>
-      <p:sp>
-        <p:nvSpPr>
-          <p:cNvPr id="7" name="오른쪽 화살표 6"/>
-          <p:cNvSpPr/>
-          <p:nvPr/>
-        </p:nvSpPr>
-        <p:spPr>
-          <a:xfrm rot="2169970">
-            <a:off x="3527946" y="3401704"/>
-            <a:ext cx="382137" cy="457200"/>
-          </a:xfrm>
-          <a:prstGeom prst="rightArrow">
-            <a:avLst>
-              <a:gd name="adj1" fmla="val 50000"/>
-              <a:gd name="adj2" fmla="val 51785"/>
-            </a:avLst>
-          </a:prstGeom>
-          <a:solidFill>
-            <a:srgbClr val="FFC000"/>
-          </a:solidFill>
-        </p:spPr>
-        <p:style>
-          <a:lnRef idx="2">
-            <a:schemeClr val="accent1">
-              <a:shade val="50000"/>
-            </a:schemeClr>
-          </a:lnRef>
-          <a:fillRef idx="1">
-            <a:schemeClr val="accent1"/>
-          </a:fillRef>
-          <a:effectRef idx="0">
-            <a:schemeClr val="accent1"/>
-          </a:effectRef>
-          <a:fontRef idx="minor">
-            <a:schemeClr val="lt1"/>
-          </a:fontRef>
-        </p:style>
-        <p:txBody>
-          <a:bodyPr rtlCol="0" anchor="ctr"/>
-          <a:lstStyle/>
-          <a:p>
-            <a:pPr algn="ctr"/>
-            <a:endParaRPr lang="ko-KR" altLang="en-US"/>
-          </a:p>
-        </p:txBody>
-      </p:sp>
-    </p:spTree>
-    <p:extLst>
-      <p:ext uri="{BB962C8B-B14F-4D97-AF65-F5344CB8AC3E}">
-        <p14:creationId xmlns:p14="http://schemas.microsoft.com/office/powerpoint/2010/main" val="1177855594"/>
-      </p:ext>
-    </p:extLst>
-  </p:cSld>
-  <p:clrMapOvr>
-    <a:masterClrMapping/>
-  </p:clrMapOvr>
-</p:sld>
-</file>
-
-<file path=ppt/slides/slide19.xml><?xml version="1.0" encoding="utf-8"?>
-<p:sld xmlns:a="http://schemas.openxmlformats.org/drawingml/2006/main" xmlns:r="http://schemas.openxmlformats.org/officeDocument/2006/relationships" xmlns:p="http://schemas.openxmlformats.org/presentationml/2006/main">
-  <p:cSld>
-    <p:spTree>
-      <p:nvGrpSpPr>
-        <p:cNvPr id="1" name=""/>
-        <p:cNvGrpSpPr/>
-        <p:nvPr/>
-      </p:nvGrpSpPr>
-      <p:grpSpPr>
-        <a:xfrm>
-          <a:off x="0" y="0"/>
-          <a:ext cx="0" cy="0"/>
-          <a:chOff x="0" y="0"/>
-          <a:chExt cx="0" cy="0"/>
-        </a:xfrm>
-      </p:grpSpPr>
-      <p:sp>
-        <p:nvSpPr>
-          <p:cNvPr id="2" name="직사각형 1"/>
-          <p:cNvSpPr/>
-          <p:nvPr/>
-        </p:nvSpPr>
-        <p:spPr>
-          <a:xfrm>
-            <a:off x="2850888" y="2671524"/>
-            <a:ext cx="1397690" cy="323165"/>
-          </a:xfrm>
-          <a:prstGeom prst="rect">
-            <a:avLst/>
-          </a:prstGeom>
-        </p:spPr>
-        <p:txBody>
-          <a:bodyPr wrap="none">
-            <a:spAutoFit/>
-          </a:bodyPr>
-          <a:lstStyle/>
-          <a:p>
-            <a:r>
-              <a:rPr lang="en-US" altLang="ko-KR" sz="1500" b="1" i="1" smtClean="0">
-                <a:solidFill>
-                  <a:srgbClr val="FF0000"/>
-                </a:solidFill>
-              </a:rPr>
-              <a:t>Add Contents !</a:t>
-            </a:r>
-            <a:r>
-              <a:rPr lang="en-US" altLang="ko-KR" sz="1500" i="1" smtClean="0">
-                <a:solidFill>
-                  <a:srgbClr val="FF0000"/>
-                </a:solidFill>
-              </a:rPr>
-              <a:t> </a:t>
-            </a:r>
-            <a:endParaRPr lang="ko-KR" altLang="en-US" sz="1500" i="1" dirty="0">
-              <a:solidFill>
-                <a:srgbClr val="FF0000"/>
-              </a:solidFill>
-            </a:endParaRPr>
-          </a:p>
-        </p:txBody>
-      </p:sp>
-      <p:sp>
-        <p:nvSpPr>
-          <p:cNvPr id="3" name="TextBox 2"/>
-          <p:cNvSpPr txBox="1"/>
-          <p:nvPr/>
-        </p:nvSpPr>
-        <p:spPr>
-          <a:xfrm>
-            <a:off x="2641022" y="2946922"/>
-            <a:ext cx="3171061" cy="646331"/>
-          </a:xfrm>
-          <a:prstGeom prst="rect">
-            <a:avLst/>
-          </a:prstGeom>
-          <a:noFill/>
-        </p:spPr>
-        <p:txBody>
-          <a:bodyPr wrap="none" rtlCol="0">
-            <a:spAutoFit/>
-          </a:bodyPr>
-          <a:lstStyle/>
-          <a:p>
-            <a:r>
-              <a:rPr lang="en-US" altLang="ko-KR" sz="3600" b="1" smtClean="0">
-                <a:latin typeface="+mn-ea"/>
-              </a:rPr>
-              <a:t>Add html File</a:t>
-            </a:r>
-            <a:endParaRPr lang="ko-KR" altLang="en-US" sz="3600" b="1" smtClean="0">
-              <a:latin typeface="+mn-ea"/>
-            </a:endParaRPr>
-          </a:p>
-        </p:txBody>
-      </p:sp>
-    </p:spTree>
-    <p:extLst>
-      <p:ext uri="{BB962C8B-B14F-4D97-AF65-F5344CB8AC3E}">
-        <p14:creationId xmlns:p14="http://schemas.microsoft.com/office/powerpoint/2010/main" val="764156625"/>
-      </p:ext>
-    </p:extLst>
-  </p:cSld>
-  <p:clrMapOvr>
-    <a:masterClrMapping/>
-  </p:clrMapOvr>
-</p:sld>
-</file>
-
 <file path=ppt/slides/slide2.xml><?xml version="1.0" encoding="utf-8"?>
 <p:sld xmlns:a="http://schemas.openxmlformats.org/drawingml/2006/main" xmlns:r="http://schemas.openxmlformats.org/officeDocument/2006/relationships" xmlns:p="http://schemas.openxmlformats.org/presentationml/2006/main">
   <p:cSld>
@@ -8734,589 +7013,6 @@
       </p:par>
     </p:tnLst>
   </p:timing>
-</p:sld>
-</file>
-
-<file path=ppt/slides/slide20.xml><?xml version="1.0" encoding="utf-8"?>
-<p:sld xmlns:a="http://schemas.openxmlformats.org/drawingml/2006/main" xmlns:r="http://schemas.openxmlformats.org/officeDocument/2006/relationships" xmlns:p="http://schemas.openxmlformats.org/presentationml/2006/main">
-  <p:cSld>
-    <p:spTree>
-      <p:nvGrpSpPr>
-        <p:cNvPr id="1" name=""/>
-        <p:cNvGrpSpPr/>
-        <p:nvPr/>
-      </p:nvGrpSpPr>
-      <p:grpSpPr>
-        <a:xfrm>
-          <a:off x="0" y="0"/>
-          <a:ext cx="0" cy="0"/>
-          <a:chOff x="0" y="0"/>
-          <a:chExt cx="0" cy="0"/>
-        </a:xfrm>
-      </p:grpSpPr>
-      <p:sp>
-        <p:nvSpPr>
-          <p:cNvPr id="2" name="TextBox 1"/>
-          <p:cNvSpPr txBox="1"/>
-          <p:nvPr/>
-        </p:nvSpPr>
-        <p:spPr>
-          <a:xfrm>
-            <a:off x="146908" y="246186"/>
-            <a:ext cx="1819729" cy="400110"/>
-          </a:xfrm>
-          <a:prstGeom prst="rect">
-            <a:avLst/>
-          </a:prstGeom>
-          <a:noFill/>
-        </p:spPr>
-        <p:txBody>
-          <a:bodyPr wrap="none" rtlCol="0">
-            <a:spAutoFit/>
-          </a:bodyPr>
-          <a:lstStyle/>
-          <a:p>
-            <a:r>
-              <a:rPr lang="en-US" altLang="ko-KR" sz="2000" smtClean="0">
-                <a:latin typeface="맑은 고딕" pitchFamily="50" charset="-127"/>
-              </a:rPr>
-              <a:t>Node.js Install</a:t>
-            </a:r>
-            <a:endParaRPr lang="ko-KR" altLang="en-US" sz="2000" dirty="0">
-              <a:latin typeface="맑은 고딕" pitchFamily="50" charset="-127"/>
-            </a:endParaRPr>
-          </a:p>
-        </p:txBody>
-      </p:sp>
-      <p:sp>
-        <p:nvSpPr>
-          <p:cNvPr id="9" name="TextBox 8"/>
-          <p:cNvSpPr txBox="1"/>
-          <p:nvPr/>
-        </p:nvSpPr>
-        <p:spPr>
-          <a:xfrm>
-            <a:off x="198509" y="1002884"/>
-            <a:ext cx="1848583" cy="338554"/>
-          </a:xfrm>
-          <a:prstGeom prst="rect">
-            <a:avLst/>
-          </a:prstGeom>
-          <a:noFill/>
-        </p:spPr>
-        <p:txBody>
-          <a:bodyPr wrap="none" rtlCol="0">
-            <a:spAutoFit/>
-          </a:bodyPr>
-          <a:lstStyle/>
-          <a:p>
-            <a:r>
-              <a:rPr lang="ko-KR" altLang="en-US" sz="1600" smtClean="0">
-                <a:latin typeface="+mn-ea"/>
-              </a:rPr>
-              <a:t>▒ </a:t>
-            </a:r>
-            <a:r>
-              <a:rPr lang="en-US" altLang="ko-KR" sz="1600" smtClean="0">
-                <a:latin typeface="+mn-ea"/>
-              </a:rPr>
-              <a:t>html </a:t>
-            </a:r>
-            <a:r>
-              <a:rPr lang="ko-KR" altLang="en-US" sz="1600" smtClean="0">
-                <a:latin typeface="+mn-ea"/>
-              </a:rPr>
-              <a:t>파일 생성</a:t>
-            </a:r>
-          </a:p>
-        </p:txBody>
-      </p:sp>
-      <p:pic>
-        <p:nvPicPr>
-          <p:cNvPr id="14" name="그림 13"/>
-          <p:cNvPicPr>
-            <a:picLocks noChangeAspect="1"/>
-          </p:cNvPicPr>
-          <p:nvPr/>
-        </p:nvPicPr>
-        <p:blipFill>
-          <a:blip r:embed="rId2"/>
-          <a:stretch>
-            <a:fillRect/>
-          </a:stretch>
-        </p:blipFill>
-        <p:spPr>
-          <a:xfrm>
-            <a:off x="250825" y="1520825"/>
-            <a:ext cx="4277508" cy="3972399"/>
-          </a:xfrm>
-          <a:prstGeom prst="rect">
-            <a:avLst/>
-          </a:prstGeom>
-        </p:spPr>
-      </p:pic>
-      <p:pic>
-        <p:nvPicPr>
-          <p:cNvPr id="16" name="그림 15"/>
-          <p:cNvPicPr>
-            <a:picLocks noChangeAspect="1"/>
-          </p:cNvPicPr>
-          <p:nvPr/>
-        </p:nvPicPr>
-        <p:blipFill>
-          <a:blip r:embed="rId3"/>
-          <a:stretch>
-            <a:fillRect/>
-          </a:stretch>
-        </p:blipFill>
-        <p:spPr>
-          <a:xfrm>
-            <a:off x="4800730" y="2099292"/>
-            <a:ext cx="4127370" cy="2122416"/>
-          </a:xfrm>
-          <a:prstGeom prst="rect">
-            <a:avLst/>
-          </a:prstGeom>
-        </p:spPr>
-      </p:pic>
-      <p:sp>
-        <p:nvSpPr>
-          <p:cNvPr id="17" name="직사각형 16"/>
-          <p:cNvSpPr/>
-          <p:nvPr/>
-        </p:nvSpPr>
-        <p:spPr>
-          <a:xfrm>
-            <a:off x="4800730" y="1736725"/>
-            <a:ext cx="1715814" cy="280679"/>
-          </a:xfrm>
-          <a:prstGeom prst="rect">
-            <a:avLst/>
-          </a:prstGeom>
-          <a:solidFill>
-            <a:srgbClr val="0000CC"/>
-          </a:solidFill>
-        </p:spPr>
-        <p:style>
-          <a:lnRef idx="2">
-            <a:schemeClr val="accent1">
-              <a:shade val="50000"/>
-            </a:schemeClr>
-          </a:lnRef>
-          <a:fillRef idx="1">
-            <a:schemeClr val="accent1"/>
-          </a:fillRef>
-          <a:effectRef idx="0">
-            <a:schemeClr val="accent1"/>
-          </a:effectRef>
-          <a:fontRef idx="minor">
-            <a:schemeClr val="lt1"/>
-          </a:fontRef>
-        </p:style>
-        <p:txBody>
-          <a:bodyPr rtlCol="0" anchor="ctr"/>
-          <a:lstStyle/>
-          <a:p>
-            <a:pPr algn="ctr"/>
-            <a:r>
-              <a:rPr lang="en-US" altLang="ko-KR" smtClean="0"/>
-              <a:t>app.js Update</a:t>
-            </a:r>
-            <a:endParaRPr lang="ko-KR" altLang="en-US"/>
-          </a:p>
-        </p:txBody>
-      </p:sp>
-      <p:sp>
-        <p:nvSpPr>
-          <p:cNvPr id="18" name="직사각형 17"/>
-          <p:cNvSpPr/>
-          <p:nvPr/>
-        </p:nvSpPr>
-        <p:spPr>
-          <a:xfrm>
-            <a:off x="5111087" y="3395829"/>
-            <a:ext cx="2872853" cy="348018"/>
-          </a:xfrm>
-          <a:prstGeom prst="rect">
-            <a:avLst/>
-          </a:prstGeom>
-          <a:noFill/>
-          <a:ln w="38100">
-            <a:solidFill>
-              <a:srgbClr val="FF0000"/>
-            </a:solidFill>
-          </a:ln>
-        </p:spPr>
-        <p:style>
-          <a:lnRef idx="2">
-            <a:schemeClr val="accent1">
-              <a:shade val="50000"/>
-            </a:schemeClr>
-          </a:lnRef>
-          <a:fillRef idx="1">
-            <a:schemeClr val="accent1"/>
-          </a:fillRef>
-          <a:effectRef idx="0">
-            <a:schemeClr val="accent1"/>
-          </a:effectRef>
-          <a:fontRef idx="minor">
-            <a:schemeClr val="lt1"/>
-          </a:fontRef>
-        </p:style>
-        <p:txBody>
-          <a:bodyPr rtlCol="0" anchor="ctr"/>
-          <a:lstStyle/>
-          <a:p>
-            <a:pPr algn="ctr"/>
-            <a:endParaRPr lang="ko-KR" altLang="en-US"/>
-          </a:p>
-        </p:txBody>
-      </p:sp>
-    </p:spTree>
-    <p:extLst>
-      <p:ext uri="{BB962C8B-B14F-4D97-AF65-F5344CB8AC3E}">
-        <p14:creationId xmlns:p14="http://schemas.microsoft.com/office/powerpoint/2010/main" val="3285973794"/>
-      </p:ext>
-    </p:extLst>
-  </p:cSld>
-  <p:clrMapOvr>
-    <a:masterClrMapping/>
-  </p:clrMapOvr>
-</p:sld>
-</file>
-
-<file path=ppt/slides/slide21.xml><?xml version="1.0" encoding="utf-8"?>
-<p:sld xmlns:a="http://schemas.openxmlformats.org/drawingml/2006/main" xmlns:r="http://schemas.openxmlformats.org/officeDocument/2006/relationships" xmlns:p="http://schemas.openxmlformats.org/presentationml/2006/main">
-  <p:cSld>
-    <p:spTree>
-      <p:nvGrpSpPr>
-        <p:cNvPr id="1" name=""/>
-        <p:cNvGrpSpPr/>
-        <p:nvPr/>
-      </p:nvGrpSpPr>
-      <p:grpSpPr>
-        <a:xfrm>
-          <a:off x="0" y="0"/>
-          <a:ext cx="0" cy="0"/>
-          <a:chOff x="0" y="0"/>
-          <a:chExt cx="0" cy="0"/>
-        </a:xfrm>
-      </p:grpSpPr>
-      <p:pic>
-        <p:nvPicPr>
-          <p:cNvPr id="2" name="그림 1"/>
-          <p:cNvPicPr>
-            <a:picLocks noChangeAspect="1"/>
-          </p:cNvPicPr>
-          <p:nvPr/>
-        </p:nvPicPr>
-        <p:blipFill>
-          <a:blip r:embed="rId2"/>
-          <a:stretch>
-            <a:fillRect/>
-          </a:stretch>
-        </p:blipFill>
-        <p:spPr>
-          <a:xfrm>
-            <a:off x="250826" y="1778140"/>
-            <a:ext cx="5058155" cy="2709270"/>
-          </a:xfrm>
-          <a:prstGeom prst="rect">
-            <a:avLst/>
-          </a:prstGeom>
-        </p:spPr>
-      </p:pic>
-      <p:sp>
-        <p:nvSpPr>
-          <p:cNvPr id="3" name="직사각형 2"/>
-          <p:cNvSpPr/>
-          <p:nvPr/>
-        </p:nvSpPr>
-        <p:spPr>
-          <a:xfrm>
-            <a:off x="250825" y="1520825"/>
-            <a:ext cx="1715814" cy="280679"/>
-          </a:xfrm>
-          <a:prstGeom prst="rect">
-            <a:avLst/>
-          </a:prstGeom>
-          <a:solidFill>
-            <a:srgbClr val="0000CC"/>
-          </a:solidFill>
-        </p:spPr>
-        <p:style>
-          <a:lnRef idx="2">
-            <a:schemeClr val="accent1">
-              <a:shade val="50000"/>
-            </a:schemeClr>
-          </a:lnRef>
-          <a:fillRef idx="1">
-            <a:schemeClr val="accent1"/>
-          </a:fillRef>
-          <a:effectRef idx="0">
-            <a:schemeClr val="accent1"/>
-          </a:effectRef>
-          <a:fontRef idx="minor">
-            <a:schemeClr val="lt1"/>
-          </a:fontRef>
-        </p:style>
-        <p:txBody>
-          <a:bodyPr rtlCol="0" anchor="ctr"/>
-          <a:lstStyle/>
-          <a:p>
-            <a:pPr algn="ctr"/>
-            <a:r>
-              <a:rPr lang="en-US" altLang="ko-KR" smtClean="0"/>
-              <a:t>server </a:t>
-            </a:r>
-            <a:r>
-              <a:rPr lang="ko-KR" altLang="en-US" smtClean="0"/>
-              <a:t>실행</a:t>
-            </a:r>
-            <a:endParaRPr lang="ko-KR" altLang="en-US"/>
-          </a:p>
-        </p:txBody>
-      </p:sp>
-      <p:sp>
-        <p:nvSpPr>
-          <p:cNvPr id="4" name="TextBox 3"/>
-          <p:cNvSpPr txBox="1"/>
-          <p:nvPr/>
-        </p:nvSpPr>
-        <p:spPr>
-          <a:xfrm>
-            <a:off x="198509" y="1002884"/>
-            <a:ext cx="3181897" cy="338554"/>
-          </a:xfrm>
-          <a:prstGeom prst="rect">
-            <a:avLst/>
-          </a:prstGeom>
-          <a:noFill/>
-        </p:spPr>
-        <p:txBody>
-          <a:bodyPr wrap="none" rtlCol="0">
-            <a:spAutoFit/>
-          </a:bodyPr>
-          <a:lstStyle/>
-          <a:p>
-            <a:r>
-              <a:rPr lang="ko-KR" altLang="en-US" sz="1600" smtClean="0">
-                <a:latin typeface="+mn-ea"/>
-              </a:rPr>
-              <a:t>▒ </a:t>
-            </a:r>
-            <a:r>
-              <a:rPr lang="en-US" altLang="ko-KR" sz="1600" smtClean="0">
-                <a:latin typeface="+mn-ea"/>
-              </a:rPr>
-              <a:t>Server </a:t>
-            </a:r>
-            <a:r>
-              <a:rPr lang="ko-KR" altLang="en-US" sz="1600" smtClean="0">
-                <a:latin typeface="+mn-ea"/>
-              </a:rPr>
-              <a:t>실행 및 브라우저 확인</a:t>
-            </a:r>
-          </a:p>
-        </p:txBody>
-      </p:sp>
-      <p:pic>
-        <p:nvPicPr>
-          <p:cNvPr id="5" name="그림 4"/>
-          <p:cNvPicPr>
-            <a:picLocks noChangeAspect="1"/>
-          </p:cNvPicPr>
-          <p:nvPr/>
-        </p:nvPicPr>
-        <p:blipFill>
-          <a:blip r:embed="rId3"/>
-          <a:stretch>
-            <a:fillRect/>
-          </a:stretch>
-        </p:blipFill>
-        <p:spPr>
-          <a:xfrm>
-            <a:off x="3792303" y="3662418"/>
-            <a:ext cx="5135797" cy="2827282"/>
-          </a:xfrm>
-          <a:prstGeom prst="rect">
-            <a:avLst/>
-          </a:prstGeom>
-        </p:spPr>
-      </p:pic>
-      <p:sp>
-        <p:nvSpPr>
-          <p:cNvPr id="6" name="오른쪽 화살표 5"/>
-          <p:cNvSpPr/>
-          <p:nvPr/>
-        </p:nvSpPr>
-        <p:spPr>
-          <a:xfrm rot="2169970">
-            <a:off x="3527946" y="3401704"/>
-            <a:ext cx="382137" cy="457200"/>
-          </a:xfrm>
-          <a:prstGeom prst="rightArrow">
-            <a:avLst>
-              <a:gd name="adj1" fmla="val 50000"/>
-              <a:gd name="adj2" fmla="val 51785"/>
-            </a:avLst>
-          </a:prstGeom>
-          <a:solidFill>
-            <a:srgbClr val="FFC000"/>
-          </a:solidFill>
-        </p:spPr>
-        <p:style>
-          <a:lnRef idx="2">
-            <a:schemeClr val="accent1">
-              <a:shade val="50000"/>
-            </a:schemeClr>
-          </a:lnRef>
-          <a:fillRef idx="1">
-            <a:schemeClr val="accent1"/>
-          </a:fillRef>
-          <a:effectRef idx="0">
-            <a:schemeClr val="accent1"/>
-          </a:effectRef>
-          <a:fontRef idx="minor">
-            <a:schemeClr val="lt1"/>
-          </a:fontRef>
-        </p:style>
-        <p:txBody>
-          <a:bodyPr rtlCol="0" anchor="ctr"/>
-          <a:lstStyle/>
-          <a:p>
-            <a:pPr algn="ctr"/>
-            <a:endParaRPr lang="ko-KR" altLang="en-US"/>
-          </a:p>
-        </p:txBody>
-      </p:sp>
-    </p:spTree>
-    <p:extLst>
-      <p:ext uri="{BB962C8B-B14F-4D97-AF65-F5344CB8AC3E}">
-        <p14:creationId xmlns:p14="http://schemas.microsoft.com/office/powerpoint/2010/main" val="3666801749"/>
-      </p:ext>
-    </p:extLst>
-  </p:cSld>
-  <p:clrMapOvr>
-    <a:masterClrMapping/>
-  </p:clrMapOvr>
-</p:sld>
-</file>
-
-<file path=ppt/slides/slide22.xml><?xml version="1.0" encoding="utf-8"?>
-<p:sld xmlns:a="http://schemas.openxmlformats.org/drawingml/2006/main" xmlns:r="http://schemas.openxmlformats.org/officeDocument/2006/relationships" xmlns:p="http://schemas.openxmlformats.org/presentationml/2006/main">
-  <p:cSld>
-    <p:spTree>
-      <p:nvGrpSpPr>
-        <p:cNvPr id="1" name=""/>
-        <p:cNvGrpSpPr/>
-        <p:nvPr/>
-      </p:nvGrpSpPr>
-      <p:grpSpPr>
-        <a:xfrm>
-          <a:off x="0" y="0"/>
-          <a:ext cx="0" cy="0"/>
-          <a:chOff x="0" y="0"/>
-          <a:chExt cx="0" cy="0"/>
-        </a:xfrm>
-      </p:grpSpPr>
-      <p:sp>
-        <p:nvSpPr>
-          <p:cNvPr id="10" name="직사각형 9"/>
-          <p:cNvSpPr/>
-          <p:nvPr/>
-        </p:nvSpPr>
-        <p:spPr>
-          <a:xfrm>
-            <a:off x="2850888" y="2671524"/>
-            <a:ext cx="3442224" cy="323165"/>
-          </a:xfrm>
-          <a:prstGeom prst="rect">
-            <a:avLst/>
-          </a:prstGeom>
-        </p:spPr>
-        <p:txBody>
-          <a:bodyPr wrap="none">
-            <a:spAutoFit/>
-          </a:bodyPr>
-          <a:lstStyle/>
-          <a:p>
-            <a:r>
-              <a:rPr lang="en-US" altLang="ko-KR" sz="1500" b="1" i="1" dirty="0">
-                <a:solidFill>
-                  <a:srgbClr val="FF0000"/>
-                </a:solidFill>
-              </a:rPr>
-              <a:t>New idea, New possibility, New </a:t>
-            </a:r>
-            <a:r>
-              <a:rPr lang="en-US" altLang="ko-KR" sz="1500" b="1" i="1" dirty="0" smtClean="0">
-                <a:solidFill>
-                  <a:srgbClr val="FF0000"/>
-                </a:solidFill>
-              </a:rPr>
-              <a:t>success !</a:t>
-            </a:r>
-            <a:r>
-              <a:rPr lang="en-US" altLang="ko-KR" sz="1500" i="1" dirty="0" smtClean="0">
-                <a:solidFill>
-                  <a:srgbClr val="FF0000"/>
-                </a:solidFill>
-              </a:rPr>
-              <a:t> </a:t>
-            </a:r>
-            <a:endParaRPr lang="ko-KR" altLang="en-US" sz="1500" i="1" dirty="0">
-              <a:solidFill>
-                <a:srgbClr val="FF0000"/>
-              </a:solidFill>
-            </a:endParaRPr>
-          </a:p>
-        </p:txBody>
-      </p:sp>
-      <p:sp>
-        <p:nvSpPr>
-          <p:cNvPr id="2" name="TextBox 1"/>
-          <p:cNvSpPr txBox="1"/>
-          <p:nvPr/>
-        </p:nvSpPr>
-        <p:spPr>
-          <a:xfrm>
-            <a:off x="3329512" y="2927445"/>
-            <a:ext cx="2484976" cy="646331"/>
-          </a:xfrm>
-          <a:prstGeom prst="rect">
-            <a:avLst/>
-          </a:prstGeom>
-          <a:noFill/>
-        </p:spPr>
-        <p:txBody>
-          <a:bodyPr wrap="none" rtlCol="0">
-            <a:spAutoFit/>
-          </a:bodyPr>
-          <a:lstStyle/>
-          <a:p>
-            <a:r>
-              <a:rPr lang="en-US" altLang="ko-KR" sz="3600" b="1" smtClean="0">
-                <a:latin typeface="+mn-ea"/>
-              </a:rPr>
-              <a:t>Thank You</a:t>
-            </a:r>
-            <a:endParaRPr lang="ko-KR" altLang="en-US" sz="3600" b="1" smtClean="0">
-              <a:latin typeface="+mn-ea"/>
-            </a:endParaRPr>
-          </a:p>
-        </p:txBody>
-      </p:sp>
-    </p:spTree>
-    <p:extLst>
-      <p:ext uri="{BB962C8B-B14F-4D97-AF65-F5344CB8AC3E}">
-        <p14:creationId xmlns:p14="http://schemas.microsoft.com/office/powerpoint/2010/main" val="2582765909"/>
-      </p:ext>
-    </p:extLst>
-  </p:cSld>
-  <p:clrMapOvr>
-    <a:masterClrMapping/>
-  </p:clrMapOvr>
 </p:sld>
 </file>
 
@@ -9477,14 +7173,67 @@
       </p:grpSpPr>
       <p:sp>
         <p:nvSpPr>
-          <p:cNvPr id="186" name="TextBox 185"/>
+          <p:cNvPr id="10" name="직사각형 9"/>
+          <p:cNvSpPr/>
+          <p:nvPr/>
+        </p:nvSpPr>
+        <p:spPr>
+          <a:xfrm>
+            <a:off x="2850888" y="2671524"/>
+            <a:ext cx="3442224" cy="323165"/>
+          </a:xfrm>
+          <a:prstGeom prst="rect">
+            <a:avLst/>
+          </a:prstGeom>
+        </p:spPr>
+        <p:txBody>
+          <a:bodyPr wrap="none">
+            <a:spAutoFit/>
+          </a:bodyPr>
+          <a:lstStyle/>
+          <a:p>
+            <a:r>
+              <a:rPr lang="en-US" altLang="ko-KR" sz="1500" b="1" i="1" dirty="0">
+                <a:solidFill>
+                  <a:srgbClr val="FF0000"/>
+                </a:solidFill>
+              </a:rPr>
+              <a:t>New idea, New possibility, New </a:t>
+            </a:r>
+            <a:r>
+              <a:rPr lang="en-US" altLang="ko-KR" sz="1500" b="1" i="1" dirty="0" smtClean="0">
+                <a:solidFill>
+                  <a:srgbClr val="FF0000"/>
+                </a:solidFill>
+              </a:rPr>
+              <a:t>success !</a:t>
+            </a:r>
+            <a:r>
+              <a:rPr lang="en-US" altLang="ko-KR" sz="1500" i="1" dirty="0" smtClean="0">
+                <a:solidFill>
+                  <a:srgbClr val="FF0000"/>
+                </a:solidFill>
+              </a:rPr>
+              <a:t> </a:t>
+            </a:r>
+            <a:endParaRPr lang="ko-KR" altLang="en-US" sz="1500" i="1" dirty="0">
+              <a:solidFill>
+                <a:srgbClr val="FF0000"/>
+              </a:solidFill>
+            </a:endParaRPr>
+          </a:p>
+        </p:txBody>
+      </p:sp>
+      <p:sp>
+        <p:nvSpPr>
+          <p:cNvPr id="2" name="TextBox 1"/>
           <p:cNvSpPr txBox="1"/>
           <p:nvPr/>
         </p:nvSpPr>
         <p:spPr>
           <a:xfrm>
-            <a:off x="146908" y="246186"/>
-            <a:ext cx="1819729" cy="400110"/>
+            <a:off x="3329512" y="2927445"/>
+            <a:ext cx="2484976" cy="646331"/>
           </a:xfrm>
           <a:prstGeom prst="rect">
             <a:avLst/>
@@ -9498,738 +7247,21 @@
           <a:lstStyle/>
           <a:p>
             <a:r>
-              <a:rPr lang="en-US" altLang="ko-KR" sz="2000" smtClean="0">
-                <a:latin typeface="맑은 고딕" pitchFamily="50" charset="-127"/>
-              </a:rPr>
-              <a:t>Node.js Install</a:t>
-            </a:r>
-            <a:endParaRPr lang="ko-KR" altLang="en-US" sz="2000" dirty="0">
-              <a:latin typeface="맑은 고딕" pitchFamily="50" charset="-127"/>
-            </a:endParaRPr>
-          </a:p>
-        </p:txBody>
-      </p:sp>
-      <p:pic>
-        <p:nvPicPr>
-          <p:cNvPr id="3" name="그림 2"/>
-          <p:cNvPicPr>
-            <a:picLocks noChangeAspect="1"/>
-          </p:cNvPicPr>
-          <p:nvPr/>
-        </p:nvPicPr>
-        <p:blipFill>
-          <a:blip r:embed="rId2"/>
-          <a:stretch>
-            <a:fillRect/>
-          </a:stretch>
-        </p:blipFill>
-        <p:spPr>
-          <a:xfrm>
-            <a:off x="250825" y="1520825"/>
-            <a:ext cx="7439950" cy="3808272"/>
-          </a:xfrm>
-          <a:prstGeom prst="rect">
-            <a:avLst/>
-          </a:prstGeom>
-        </p:spPr>
-      </p:pic>
-      <p:sp>
-        <p:nvSpPr>
-          <p:cNvPr id="32" name="TextBox 31"/>
-          <p:cNvSpPr txBox="1"/>
-          <p:nvPr/>
-        </p:nvSpPr>
-        <p:spPr>
-          <a:xfrm>
-            <a:off x="250825" y="999542"/>
-            <a:ext cx="2053767" cy="338554"/>
-          </a:xfrm>
-          <a:prstGeom prst="rect">
-            <a:avLst/>
-          </a:prstGeom>
-          <a:noFill/>
-        </p:spPr>
-        <p:txBody>
-          <a:bodyPr wrap="none" rtlCol="0">
-            <a:spAutoFit/>
-          </a:bodyPr>
-          <a:lstStyle/>
-          <a:p>
-            <a:r>
-              <a:rPr lang="ko-KR" altLang="en-US" sz="1600" smtClean="0">
+              <a:rPr lang="en-US" altLang="ko-KR" sz="3600" b="1" smtClean="0">
                 <a:latin typeface="+mn-ea"/>
               </a:rPr>
-              <a:t>▒ </a:t>
-            </a:r>
-            <a:r>
-              <a:rPr lang="en-US" altLang="ko-KR" sz="1600" smtClean="0">
-                <a:latin typeface="+mn-ea"/>
-              </a:rPr>
-              <a:t>Node.js </a:t>
-            </a:r>
-            <a:r>
-              <a:rPr lang="ko-KR" altLang="en-US" sz="1600" smtClean="0">
-                <a:latin typeface="+mn-ea"/>
-              </a:rPr>
-              <a:t>버전확인</a:t>
-            </a:r>
+              <a:t>Thank You</a:t>
+            </a:r>
+            <a:endParaRPr lang="ko-KR" altLang="en-US" sz="3600" b="1" smtClean="0">
+              <a:latin typeface="+mn-ea"/>
+            </a:endParaRPr>
           </a:p>
         </p:txBody>
       </p:sp>
     </p:spTree>
     <p:extLst>
       <p:ext uri="{BB962C8B-B14F-4D97-AF65-F5344CB8AC3E}">
-        <p14:creationId xmlns:p14="http://schemas.microsoft.com/office/powerpoint/2010/main" val="2072388659"/>
-      </p:ext>
-    </p:extLst>
-  </p:cSld>
-  <p:clrMapOvr>
-    <a:masterClrMapping/>
-  </p:clrMapOvr>
-  <p:timing>
-    <p:tnLst>
-      <p:par>
-        <p:cTn id="1" dur="indefinite" restart="never" nodeType="tmRoot"/>
-      </p:par>
-    </p:tnLst>
-  </p:timing>
-</p:sld>
-</file>
-
-<file path=ppt/slides/slide5.xml><?xml version="1.0" encoding="utf-8"?>
-<p:sld xmlns:a="http://schemas.openxmlformats.org/drawingml/2006/main" xmlns:r="http://schemas.openxmlformats.org/officeDocument/2006/relationships" xmlns:p="http://schemas.openxmlformats.org/presentationml/2006/main">
-  <p:cSld>
-    <p:spTree>
-      <p:nvGrpSpPr>
-        <p:cNvPr id="1" name=""/>
-        <p:cNvGrpSpPr/>
-        <p:nvPr/>
-      </p:nvGrpSpPr>
-      <p:grpSpPr>
-        <a:xfrm>
-          <a:off x="0" y="0"/>
-          <a:ext cx="0" cy="0"/>
-          <a:chOff x="0" y="0"/>
-          <a:chExt cx="0" cy="0"/>
-        </a:xfrm>
-      </p:grpSpPr>
-      <p:pic>
-        <p:nvPicPr>
-          <p:cNvPr id="5" name="그림 4"/>
-          <p:cNvPicPr>
-            <a:picLocks noChangeAspect="1"/>
-          </p:cNvPicPr>
-          <p:nvPr/>
-        </p:nvPicPr>
-        <p:blipFill>
-          <a:blip r:embed="rId2"/>
-          <a:stretch>
-            <a:fillRect/>
-          </a:stretch>
-        </p:blipFill>
-        <p:spPr>
-          <a:xfrm>
-            <a:off x="250825" y="1520825"/>
-            <a:ext cx="7623933" cy="4211235"/>
-          </a:xfrm>
-          <a:prstGeom prst="rect">
-            <a:avLst/>
-          </a:prstGeom>
-        </p:spPr>
-      </p:pic>
-      <p:sp>
-        <p:nvSpPr>
-          <p:cNvPr id="6" name="TextBox 5"/>
-          <p:cNvSpPr txBox="1"/>
-          <p:nvPr/>
-        </p:nvSpPr>
-        <p:spPr>
-          <a:xfrm>
-            <a:off x="250825" y="999542"/>
-            <a:ext cx="1778051" cy="338554"/>
-          </a:xfrm>
-          <a:prstGeom prst="rect">
-            <a:avLst/>
-          </a:prstGeom>
-          <a:noFill/>
-        </p:spPr>
-        <p:txBody>
-          <a:bodyPr wrap="none" rtlCol="0">
-            <a:spAutoFit/>
-          </a:bodyPr>
-          <a:lstStyle/>
-          <a:p>
-            <a:r>
-              <a:rPr lang="ko-KR" altLang="en-US" sz="1600" smtClean="0">
-                <a:latin typeface="+mn-ea"/>
-              </a:rPr>
-              <a:t>▒ </a:t>
-            </a:r>
-            <a:r>
-              <a:rPr lang="en-US" altLang="ko-KR" sz="1600" smtClean="0">
-                <a:latin typeface="+mn-ea"/>
-              </a:rPr>
-              <a:t>npm </a:t>
-            </a:r>
-            <a:r>
-              <a:rPr lang="ko-KR" altLang="en-US" sz="1600" smtClean="0">
-                <a:latin typeface="+mn-ea"/>
-              </a:rPr>
-              <a:t>버전확인</a:t>
-            </a:r>
-          </a:p>
-        </p:txBody>
-      </p:sp>
-      <p:sp>
-        <p:nvSpPr>
-          <p:cNvPr id="7" name="TextBox 6"/>
-          <p:cNvSpPr txBox="1"/>
-          <p:nvPr/>
-        </p:nvSpPr>
-        <p:spPr>
-          <a:xfrm>
-            <a:off x="146908" y="246186"/>
-            <a:ext cx="1819729" cy="400110"/>
-          </a:xfrm>
-          <a:prstGeom prst="rect">
-            <a:avLst/>
-          </a:prstGeom>
-          <a:noFill/>
-        </p:spPr>
-        <p:txBody>
-          <a:bodyPr wrap="none" rtlCol="0">
-            <a:spAutoFit/>
-          </a:bodyPr>
-          <a:lstStyle/>
-          <a:p>
-            <a:r>
-              <a:rPr lang="en-US" altLang="ko-KR" sz="2000" smtClean="0">
-                <a:latin typeface="맑은 고딕" pitchFamily="50" charset="-127"/>
-              </a:rPr>
-              <a:t>Node.js Install</a:t>
-            </a:r>
-            <a:endParaRPr lang="ko-KR" altLang="en-US" sz="2000" dirty="0">
-              <a:latin typeface="맑은 고딕" pitchFamily="50" charset="-127"/>
-            </a:endParaRPr>
-          </a:p>
-        </p:txBody>
-      </p:sp>
-    </p:spTree>
-    <p:extLst>
-      <p:ext uri="{BB962C8B-B14F-4D97-AF65-F5344CB8AC3E}">
-        <p14:creationId xmlns:p14="http://schemas.microsoft.com/office/powerpoint/2010/main" val="2100220694"/>
-      </p:ext>
-    </p:extLst>
-  </p:cSld>
-  <p:clrMapOvr>
-    <a:masterClrMapping/>
-  </p:clrMapOvr>
-</p:sld>
-</file>
-
-<file path=ppt/slides/slide6.xml><?xml version="1.0" encoding="utf-8"?>
-<p:sld xmlns:a="http://schemas.openxmlformats.org/drawingml/2006/main" xmlns:r="http://schemas.openxmlformats.org/officeDocument/2006/relationships" xmlns:p="http://schemas.openxmlformats.org/presentationml/2006/main">
-  <p:cSld>
-    <p:spTree>
-      <p:nvGrpSpPr>
-        <p:cNvPr id="1" name=""/>
-        <p:cNvGrpSpPr/>
-        <p:nvPr/>
-      </p:nvGrpSpPr>
-      <p:grpSpPr>
-        <a:xfrm>
-          <a:off x="0" y="0"/>
-          <a:ext cx="0" cy="0"/>
-          <a:chOff x="0" y="0"/>
-          <a:chExt cx="0" cy="0"/>
-        </a:xfrm>
-      </p:grpSpPr>
-      <p:pic>
-        <p:nvPicPr>
-          <p:cNvPr id="2" name="그림 1"/>
-          <p:cNvPicPr>
-            <a:picLocks noChangeAspect="1"/>
-          </p:cNvPicPr>
-          <p:nvPr/>
-        </p:nvPicPr>
-        <p:blipFill>
-          <a:blip r:embed="rId2"/>
-          <a:stretch>
-            <a:fillRect/>
-          </a:stretch>
-        </p:blipFill>
-        <p:spPr>
-          <a:xfrm>
-            <a:off x="250825" y="1520824"/>
-            <a:ext cx="7872124" cy="3992871"/>
-          </a:xfrm>
-          <a:prstGeom prst="rect">
-            <a:avLst/>
-          </a:prstGeom>
-        </p:spPr>
-      </p:pic>
-      <p:sp>
-        <p:nvSpPr>
-          <p:cNvPr id="9" name="TextBox 8"/>
-          <p:cNvSpPr txBox="1"/>
-          <p:nvPr/>
-        </p:nvSpPr>
-        <p:spPr>
-          <a:xfrm>
-            <a:off x="250825" y="999542"/>
-            <a:ext cx="1572866" cy="338554"/>
-          </a:xfrm>
-          <a:prstGeom prst="rect">
-            <a:avLst/>
-          </a:prstGeom>
-          <a:noFill/>
-        </p:spPr>
-        <p:txBody>
-          <a:bodyPr wrap="none" rtlCol="0">
-            <a:spAutoFit/>
-          </a:bodyPr>
-          <a:lstStyle/>
-          <a:p>
-            <a:r>
-              <a:rPr lang="ko-KR" altLang="en-US" sz="1600" smtClean="0">
-                <a:latin typeface="+mn-ea"/>
-              </a:rPr>
-              <a:t>▒ </a:t>
-            </a:r>
-            <a:r>
-              <a:rPr lang="en-US" altLang="ko-KR" sz="1600" smtClean="0">
-                <a:latin typeface="+mn-ea"/>
-              </a:rPr>
-              <a:t>npm </a:t>
-            </a:r>
-            <a:r>
-              <a:rPr lang="ko-KR" altLang="en-US" sz="1600" smtClean="0">
-                <a:latin typeface="+mn-ea"/>
-              </a:rPr>
-              <a:t>초기화</a:t>
-            </a:r>
-          </a:p>
-        </p:txBody>
-      </p:sp>
-      <p:sp>
-        <p:nvSpPr>
-          <p:cNvPr id="10" name="TextBox 9"/>
-          <p:cNvSpPr txBox="1"/>
-          <p:nvPr/>
-        </p:nvSpPr>
-        <p:spPr>
-          <a:xfrm>
-            <a:off x="146908" y="246186"/>
-            <a:ext cx="1819729" cy="400110"/>
-          </a:xfrm>
-          <a:prstGeom prst="rect">
-            <a:avLst/>
-          </a:prstGeom>
-          <a:noFill/>
-        </p:spPr>
-        <p:txBody>
-          <a:bodyPr wrap="none" rtlCol="0">
-            <a:spAutoFit/>
-          </a:bodyPr>
-          <a:lstStyle/>
-          <a:p>
-            <a:r>
-              <a:rPr lang="en-US" altLang="ko-KR" sz="2000" smtClean="0">
-                <a:latin typeface="맑은 고딕" pitchFamily="50" charset="-127"/>
-              </a:rPr>
-              <a:t>Node.js Install</a:t>
-            </a:r>
-            <a:endParaRPr lang="ko-KR" altLang="en-US" sz="2000" dirty="0">
-              <a:latin typeface="맑은 고딕" pitchFamily="50" charset="-127"/>
-            </a:endParaRPr>
-          </a:p>
-        </p:txBody>
-      </p:sp>
-    </p:spTree>
-    <p:extLst>
-      <p:ext uri="{BB962C8B-B14F-4D97-AF65-F5344CB8AC3E}">
-        <p14:creationId xmlns:p14="http://schemas.microsoft.com/office/powerpoint/2010/main" val="4160321834"/>
-      </p:ext>
-    </p:extLst>
-  </p:cSld>
-  <p:clrMapOvr>
-    <a:masterClrMapping/>
-  </p:clrMapOvr>
-</p:sld>
-</file>
-
-<file path=ppt/slides/slide7.xml><?xml version="1.0" encoding="utf-8"?>
-<p:sld xmlns:a="http://schemas.openxmlformats.org/drawingml/2006/main" xmlns:r="http://schemas.openxmlformats.org/officeDocument/2006/relationships" xmlns:p="http://schemas.openxmlformats.org/presentationml/2006/main">
-  <p:cSld>
-    <p:spTree>
-      <p:nvGrpSpPr>
-        <p:cNvPr id="1" name=""/>
-        <p:cNvGrpSpPr/>
-        <p:nvPr/>
-      </p:nvGrpSpPr>
-      <p:grpSpPr>
-        <a:xfrm>
-          <a:off x="0" y="0"/>
-          <a:ext cx="0" cy="0"/>
-          <a:chOff x="0" y="0"/>
-          <a:chExt cx="0" cy="0"/>
-        </a:xfrm>
-      </p:grpSpPr>
-      <p:sp>
-        <p:nvSpPr>
-          <p:cNvPr id="4" name="TextBox 3"/>
-          <p:cNvSpPr txBox="1"/>
-          <p:nvPr/>
-        </p:nvSpPr>
-        <p:spPr>
-          <a:xfrm>
-            <a:off x="250825" y="999542"/>
-            <a:ext cx="2465740" cy="338554"/>
-          </a:xfrm>
-          <a:prstGeom prst="rect">
-            <a:avLst/>
-          </a:prstGeom>
-          <a:noFill/>
-        </p:spPr>
-        <p:txBody>
-          <a:bodyPr wrap="none" rtlCol="0">
-            <a:spAutoFit/>
-          </a:bodyPr>
-          <a:lstStyle/>
-          <a:p>
-            <a:r>
-              <a:rPr lang="ko-KR" altLang="en-US" sz="1600" smtClean="0">
-                <a:latin typeface="+mn-ea"/>
-              </a:rPr>
-              <a:t>▒ </a:t>
-            </a:r>
-            <a:r>
-              <a:rPr lang="en-US" altLang="ko-KR" sz="1600" smtClean="0">
-                <a:latin typeface="+mn-ea"/>
-              </a:rPr>
-              <a:t>npm </a:t>
-            </a:r>
-            <a:r>
-              <a:rPr lang="ko-KR" altLang="en-US" sz="1600" smtClean="0">
-                <a:latin typeface="+mn-ea"/>
-              </a:rPr>
-              <a:t>필수패키지 설치</a:t>
-            </a:r>
-          </a:p>
-        </p:txBody>
-      </p:sp>
-      <p:pic>
-        <p:nvPicPr>
-          <p:cNvPr id="5" name="그림 4"/>
-          <p:cNvPicPr>
-            <a:picLocks noChangeAspect="1"/>
-          </p:cNvPicPr>
-          <p:nvPr/>
-        </p:nvPicPr>
-        <p:blipFill>
-          <a:blip r:embed="rId2"/>
-          <a:stretch>
-            <a:fillRect/>
-          </a:stretch>
-        </p:blipFill>
-        <p:spPr>
-          <a:xfrm>
-            <a:off x="250825" y="1520825"/>
-            <a:ext cx="8686018" cy="4572061"/>
-          </a:xfrm>
-          <a:prstGeom prst="rect">
-            <a:avLst/>
-          </a:prstGeom>
-        </p:spPr>
-      </p:pic>
-      <p:sp>
-        <p:nvSpPr>
-          <p:cNvPr id="6" name="TextBox 5"/>
-          <p:cNvSpPr txBox="1"/>
-          <p:nvPr/>
-        </p:nvSpPr>
-        <p:spPr>
-          <a:xfrm>
-            <a:off x="146908" y="246186"/>
-            <a:ext cx="1819729" cy="400110"/>
-          </a:xfrm>
-          <a:prstGeom prst="rect">
-            <a:avLst/>
-          </a:prstGeom>
-          <a:noFill/>
-        </p:spPr>
-        <p:txBody>
-          <a:bodyPr wrap="none" rtlCol="0">
-            <a:spAutoFit/>
-          </a:bodyPr>
-          <a:lstStyle/>
-          <a:p>
-            <a:r>
-              <a:rPr lang="en-US" altLang="ko-KR" sz="2000" smtClean="0">
-                <a:latin typeface="맑은 고딕" pitchFamily="50" charset="-127"/>
-              </a:rPr>
-              <a:t>Node.js Install</a:t>
-            </a:r>
-            <a:endParaRPr lang="ko-KR" altLang="en-US" sz="2000" dirty="0">
-              <a:latin typeface="맑은 고딕" pitchFamily="50" charset="-127"/>
-            </a:endParaRPr>
-          </a:p>
-        </p:txBody>
-      </p:sp>
-    </p:spTree>
-    <p:extLst>
-      <p:ext uri="{BB962C8B-B14F-4D97-AF65-F5344CB8AC3E}">
-        <p14:creationId xmlns:p14="http://schemas.microsoft.com/office/powerpoint/2010/main" val="700557843"/>
-      </p:ext>
-    </p:extLst>
-  </p:cSld>
-  <p:clrMapOvr>
-    <a:masterClrMapping/>
-  </p:clrMapOvr>
-</p:sld>
-</file>
-
-<file path=ppt/slides/slide8.xml><?xml version="1.0" encoding="utf-8"?>
-<p:sld xmlns:a="http://schemas.openxmlformats.org/drawingml/2006/main" xmlns:r="http://schemas.openxmlformats.org/officeDocument/2006/relationships" xmlns:p="http://schemas.openxmlformats.org/presentationml/2006/main">
-  <p:cSld>
-    <p:spTree>
-      <p:nvGrpSpPr>
-        <p:cNvPr id="1" name=""/>
-        <p:cNvGrpSpPr/>
-        <p:nvPr/>
-      </p:nvGrpSpPr>
-      <p:grpSpPr>
-        <a:xfrm>
-          <a:off x="0" y="0"/>
-          <a:ext cx="0" cy="0"/>
-          <a:chOff x="0" y="0"/>
-          <a:chExt cx="0" cy="0"/>
-        </a:xfrm>
-      </p:grpSpPr>
-      <p:pic>
-        <p:nvPicPr>
-          <p:cNvPr id="3" name="그림 2"/>
-          <p:cNvPicPr>
-            <a:picLocks noChangeAspect="1"/>
-          </p:cNvPicPr>
-          <p:nvPr/>
-        </p:nvPicPr>
-        <p:blipFill>
-          <a:blip r:embed="rId2"/>
-          <a:stretch>
-            <a:fillRect/>
-          </a:stretch>
-        </p:blipFill>
-        <p:spPr>
-          <a:xfrm>
-            <a:off x="250825" y="1520825"/>
-            <a:ext cx="7650850" cy="4070949"/>
-          </a:xfrm>
-          <a:prstGeom prst="rect">
-            <a:avLst/>
-          </a:prstGeom>
-        </p:spPr>
-      </p:pic>
-      <p:sp>
-        <p:nvSpPr>
-          <p:cNvPr id="5" name="TextBox 4"/>
-          <p:cNvSpPr txBox="1"/>
-          <p:nvPr/>
-        </p:nvSpPr>
-        <p:spPr>
-          <a:xfrm>
-            <a:off x="250825" y="999542"/>
-            <a:ext cx="1843774" cy="338554"/>
-          </a:xfrm>
-          <a:prstGeom prst="rect">
-            <a:avLst/>
-          </a:prstGeom>
-          <a:noFill/>
-        </p:spPr>
-        <p:txBody>
-          <a:bodyPr wrap="none" rtlCol="0">
-            <a:spAutoFit/>
-          </a:bodyPr>
-          <a:lstStyle/>
-          <a:p>
-            <a:r>
-              <a:rPr lang="ko-KR" altLang="en-US" sz="1600" smtClean="0">
-                <a:latin typeface="+mn-ea"/>
-              </a:rPr>
-              <a:t>▒ </a:t>
-            </a:r>
-            <a:r>
-              <a:rPr lang="en-US" altLang="ko-KR" sz="1600" smtClean="0">
-                <a:latin typeface="+mn-ea"/>
-              </a:rPr>
-              <a:t>nodemon </a:t>
-            </a:r>
-            <a:r>
-              <a:rPr lang="ko-KR" altLang="en-US" sz="1600" smtClean="0">
-                <a:latin typeface="+mn-ea"/>
-              </a:rPr>
-              <a:t>설치</a:t>
-            </a:r>
-          </a:p>
-        </p:txBody>
-      </p:sp>
-      <p:sp>
-        <p:nvSpPr>
-          <p:cNvPr id="6" name="TextBox 5"/>
-          <p:cNvSpPr txBox="1"/>
-          <p:nvPr/>
-        </p:nvSpPr>
-        <p:spPr>
-          <a:xfrm>
-            <a:off x="146908" y="246186"/>
-            <a:ext cx="1819729" cy="400110"/>
-          </a:xfrm>
-          <a:prstGeom prst="rect">
-            <a:avLst/>
-          </a:prstGeom>
-          <a:noFill/>
-        </p:spPr>
-        <p:txBody>
-          <a:bodyPr wrap="none" rtlCol="0">
-            <a:spAutoFit/>
-          </a:bodyPr>
-          <a:lstStyle/>
-          <a:p>
-            <a:r>
-              <a:rPr lang="en-US" altLang="ko-KR" sz="2000" smtClean="0">
-                <a:latin typeface="맑은 고딕" pitchFamily="50" charset="-127"/>
-              </a:rPr>
-              <a:t>Node.js Install</a:t>
-            </a:r>
-            <a:endParaRPr lang="ko-KR" altLang="en-US" sz="2000" dirty="0">
-              <a:latin typeface="맑은 고딕" pitchFamily="50" charset="-127"/>
-            </a:endParaRPr>
-          </a:p>
-        </p:txBody>
-      </p:sp>
-    </p:spTree>
-    <p:extLst>
-      <p:ext uri="{BB962C8B-B14F-4D97-AF65-F5344CB8AC3E}">
-        <p14:creationId xmlns:p14="http://schemas.microsoft.com/office/powerpoint/2010/main" val="4170903125"/>
-      </p:ext>
-    </p:extLst>
-  </p:cSld>
-  <p:clrMapOvr>
-    <a:masterClrMapping/>
-  </p:clrMapOvr>
-</p:sld>
-</file>
-
-<file path=ppt/slides/slide9.xml><?xml version="1.0" encoding="utf-8"?>
-<p:sld xmlns:a="http://schemas.openxmlformats.org/drawingml/2006/main" xmlns:r="http://schemas.openxmlformats.org/officeDocument/2006/relationships" xmlns:p="http://schemas.openxmlformats.org/presentationml/2006/main">
-  <p:cSld>
-    <p:spTree>
-      <p:nvGrpSpPr>
-        <p:cNvPr id="1" name=""/>
-        <p:cNvGrpSpPr/>
-        <p:nvPr/>
-      </p:nvGrpSpPr>
-      <p:grpSpPr>
-        <a:xfrm>
-          <a:off x="0" y="0"/>
-          <a:ext cx="0" cy="0"/>
-          <a:chOff x="0" y="0"/>
-          <a:chExt cx="0" cy="0"/>
-        </a:xfrm>
-      </p:grpSpPr>
-      <p:pic>
-        <p:nvPicPr>
-          <p:cNvPr id="3" name="그림 2"/>
-          <p:cNvPicPr>
-            <a:picLocks noChangeAspect="1"/>
-          </p:cNvPicPr>
-          <p:nvPr/>
-        </p:nvPicPr>
-        <p:blipFill>
-          <a:blip r:embed="rId2"/>
-          <a:stretch>
-            <a:fillRect/>
-          </a:stretch>
-        </p:blipFill>
-        <p:spPr>
-          <a:xfrm>
-            <a:off x="250825" y="1520825"/>
-            <a:ext cx="7978775" cy="4120802"/>
-          </a:xfrm>
-          <a:prstGeom prst="rect">
-            <a:avLst/>
-          </a:prstGeom>
-        </p:spPr>
-      </p:pic>
-      <p:sp>
-        <p:nvSpPr>
-          <p:cNvPr id="9" name="TextBox 8"/>
-          <p:cNvSpPr txBox="1"/>
-          <p:nvPr/>
-        </p:nvSpPr>
-        <p:spPr>
-          <a:xfrm>
-            <a:off x="250825" y="999542"/>
-            <a:ext cx="3623108" cy="338554"/>
-          </a:xfrm>
-          <a:prstGeom prst="rect">
-            <a:avLst/>
-          </a:prstGeom>
-          <a:noFill/>
-        </p:spPr>
-        <p:txBody>
-          <a:bodyPr wrap="none" rtlCol="0">
-            <a:spAutoFit/>
-          </a:bodyPr>
-          <a:lstStyle/>
-          <a:p>
-            <a:r>
-              <a:rPr lang="ko-KR" altLang="en-US" sz="1600" smtClean="0">
-                <a:latin typeface="+mn-ea"/>
-              </a:rPr>
-              <a:t>▒ 필수패키지 설치후 폴더 변경 내용</a:t>
-            </a:r>
-          </a:p>
-        </p:txBody>
-      </p:sp>
-      <p:sp>
-        <p:nvSpPr>
-          <p:cNvPr id="10" name="TextBox 9"/>
-          <p:cNvSpPr txBox="1"/>
-          <p:nvPr/>
-        </p:nvSpPr>
-        <p:spPr>
-          <a:xfrm>
-            <a:off x="146908" y="246186"/>
-            <a:ext cx="1819729" cy="400110"/>
-          </a:xfrm>
-          <a:prstGeom prst="rect">
-            <a:avLst/>
-          </a:prstGeom>
-          <a:noFill/>
-        </p:spPr>
-        <p:txBody>
-          <a:bodyPr wrap="none" rtlCol="0">
-            <a:spAutoFit/>
-          </a:bodyPr>
-          <a:lstStyle/>
-          <a:p>
-            <a:r>
-              <a:rPr lang="en-US" altLang="ko-KR" sz="2000" smtClean="0">
-                <a:latin typeface="맑은 고딕" pitchFamily="50" charset="-127"/>
-              </a:rPr>
-              <a:t>Node.js Install</a:t>
-            </a:r>
-            <a:endParaRPr lang="ko-KR" altLang="en-US" sz="2000" dirty="0">
-              <a:latin typeface="맑은 고딕" pitchFamily="50" charset="-127"/>
-            </a:endParaRPr>
-          </a:p>
-        </p:txBody>
-      </p:sp>
-    </p:spTree>
-    <p:extLst>
-      <p:ext uri="{BB962C8B-B14F-4D97-AF65-F5344CB8AC3E}">
-        <p14:creationId xmlns:p14="http://schemas.microsoft.com/office/powerpoint/2010/main" val="3387553681"/>
+        <p14:creationId xmlns:p14="http://schemas.microsoft.com/office/powerpoint/2010/main" val="2582765909"/>
       </p:ext>
     </p:extLst>
   </p:cSld>

--- a/contents/Render.pptx
+++ b/contents/Render.pptx
@@ -6,16 +6,17 @@
     <p:sldMasterId id="2147483672" r:id="rId2"/>
   </p:sldMasterIdLst>
   <p:notesMasterIdLst>
-    <p:notesMasterId r:id="rId7"/>
+    <p:notesMasterId r:id="rId8"/>
   </p:notesMasterIdLst>
   <p:handoutMasterIdLst>
-    <p:handoutMasterId r:id="rId8"/>
+    <p:handoutMasterId r:id="rId9"/>
   </p:handoutMasterIdLst>
   <p:sldIdLst>
     <p:sldId id="261" r:id="rId3"/>
     <p:sldId id="481" r:id="rId4"/>
     <p:sldId id="482" r:id="rId5"/>
-    <p:sldId id="421" r:id="rId6"/>
+    <p:sldId id="483" r:id="rId6"/>
+    <p:sldId id="421" r:id="rId7"/>
   </p:sldIdLst>
   <p:sldSz cx="9144000" cy="6858000" type="screen4x3"/>
   <p:notesSz cx="6735763" cy="9866313"/>
@@ -259,7 +260,7 @@
           <a:p>
             <a:fld id="{C5309B21-B08B-4A5E-B884-0DF78634DC9C}" type="datetimeFigureOut">
               <a:rPr lang="ko-KR" altLang="en-US" smtClean="0"/>
-              <a:t>2026-02-05</a:t>
+              <a:t>2026-02-09</a:t>
             </a:fld>
             <a:endParaRPr lang="ko-KR" altLang="en-US"/>
           </a:p>
@@ -424,7 +425,7 @@
           <a:p>
             <a:fld id="{B39CD121-FD21-45D1-AD82-A48E65B32A0B}" type="datetimeFigureOut">
               <a:rPr lang="ko-KR" altLang="en-US" smtClean="0"/>
-              <a:t>2026-02-05</a:t>
+              <a:t>2026-02-09</a:t>
             </a:fld>
             <a:endParaRPr lang="ko-KR" altLang="en-US"/>
           </a:p>
@@ -1052,7 +1053,7 @@
           <a:p>
             <a:fld id="{712125ED-623E-4A9A-A549-8B04F2156EDB}" type="datetime1">
               <a:rPr lang="ko-KR" altLang="en-US" smtClean="0"/>
-              <a:t>2026-02-05</a:t>
+              <a:t>2026-02-09</a:t>
             </a:fld>
             <a:endParaRPr lang="ko-KR" altLang="en-US"/>
           </a:p>
@@ -1232,7 +1233,7 @@
           <a:p>
             <a:fld id="{539B0F72-68B0-4063-AD52-77948D4F56FF}" type="datetime1">
               <a:rPr lang="ko-KR" altLang="en-US" smtClean="0"/>
-              <a:t>2026-02-05</a:t>
+              <a:t>2026-02-09</a:t>
             </a:fld>
             <a:endParaRPr lang="ko-KR" altLang="en-US"/>
           </a:p>
@@ -1424,7 +1425,7 @@
           <a:p>
             <a:fld id="{1BD99496-C4C4-4968-A03E-1E8CC76D9684}" type="datetime1">
               <a:rPr lang="ko-KR" altLang="en-US" smtClean="0"/>
-              <a:t>2026-02-05</a:t>
+              <a:t>2026-02-09</a:t>
             </a:fld>
             <a:endParaRPr lang="ko-KR" altLang="en-US"/>
           </a:p>
@@ -1594,7 +1595,7 @@
           <a:p>
             <a:fld id="{BBFB0389-3F31-4646-9EAC-6D9622DF58B7}" type="datetime1">
               <a:rPr lang="ko-KR" altLang="en-US" smtClean="0"/>
-              <a:t>2026-02-05</a:t>
+              <a:t>2026-02-09</a:t>
             </a:fld>
             <a:endParaRPr lang="ko-KR" altLang="en-US"/>
           </a:p>
@@ -1840,7 +1841,7 @@
           <a:p>
             <a:fld id="{46842770-9E97-4629-8C1C-D9EDFE2C9B6A}" type="datetime1">
               <a:rPr lang="ko-KR" altLang="en-US" smtClean="0"/>
-              <a:t>2026-02-05</a:t>
+              <a:t>2026-02-09</a:t>
             </a:fld>
             <a:endParaRPr lang="ko-KR" altLang="en-US"/>
           </a:p>
@@ -2072,7 +2073,7 @@
           <a:p>
             <a:fld id="{B12C9B61-41A4-4BA0-B66C-6D46ACCC64F3}" type="datetime1">
               <a:rPr lang="ko-KR" altLang="en-US" smtClean="0"/>
-              <a:t>2026-02-05</a:t>
+              <a:t>2026-02-09</a:t>
             </a:fld>
             <a:endParaRPr lang="ko-KR" altLang="en-US"/>
           </a:p>
@@ -2439,7 +2440,7 @@
           <a:p>
             <a:fld id="{CAC83A93-8E76-485A-B85E-07FBF3C7F9B9}" type="datetime1">
               <a:rPr lang="ko-KR" altLang="en-US" smtClean="0"/>
-              <a:t>2026-02-05</a:t>
+              <a:t>2026-02-09</a:t>
             </a:fld>
             <a:endParaRPr lang="ko-KR" altLang="en-US"/>
           </a:p>
@@ -2557,7 +2558,7 @@
           <a:p>
             <a:fld id="{574AB61B-09A9-44BC-A2EF-21297860CC7C}" type="datetime1">
               <a:rPr lang="ko-KR" altLang="en-US" smtClean="0"/>
-              <a:t>2026-02-05</a:t>
+              <a:t>2026-02-09</a:t>
             </a:fld>
             <a:endParaRPr lang="ko-KR" altLang="en-US"/>
           </a:p>
@@ -2652,7 +2653,7 @@
           <a:p>
             <a:fld id="{F4DC4049-1D3E-4529-81B3-245CE3BB68C6}" type="datetime1">
               <a:rPr lang="ko-KR" altLang="en-US" smtClean="0"/>
-              <a:t>2026-02-05</a:t>
+              <a:t>2026-02-09</a:t>
             </a:fld>
             <a:endParaRPr lang="ko-KR" altLang="en-US"/>
           </a:p>
@@ -2929,7 +2930,7 @@
           <a:p>
             <a:fld id="{41D9B287-02EB-4C40-AA6B-D027B5C2B8FC}" type="datetime1">
               <a:rPr lang="ko-KR" altLang="en-US" smtClean="0"/>
-              <a:t>2026-02-05</a:t>
+              <a:t>2026-02-09</a:t>
             </a:fld>
             <a:endParaRPr lang="ko-KR" altLang="en-US"/>
           </a:p>
@@ -3349,7 +3350,7 @@
           <a:p>
             <a:fld id="{0F4316CF-6F3B-4D25-86D6-E4D0B7A6A817}" type="datetime1">
               <a:rPr lang="ko-KR" altLang="en-US" smtClean="0"/>
-              <a:t>2026-02-05</a:t>
+              <a:t>2026-02-09</a:t>
             </a:fld>
             <a:endParaRPr lang="ko-KR" altLang="en-US"/>
           </a:p>
@@ -3519,7 +3520,7 @@
           <a:p>
             <a:fld id="{95B4B7C5-FAA7-40CE-9E66-6D8DAA86968A}" type="datetime1">
               <a:rPr lang="ko-KR" altLang="en-US" smtClean="0"/>
-              <a:t>2026-02-05</a:t>
+              <a:t>2026-02-09</a:t>
             </a:fld>
             <a:endParaRPr lang="ko-KR" altLang="en-US"/>
           </a:p>
@@ -3699,7 +3700,7 @@
           <a:p>
             <a:fld id="{653A6E41-EEFC-4900-8331-81EA5C3ACC5D}" type="datetime1">
               <a:rPr lang="ko-KR" altLang="en-US" smtClean="0"/>
-              <a:t>2026-02-05</a:t>
+              <a:t>2026-02-09</a:t>
             </a:fld>
             <a:endParaRPr lang="ko-KR" altLang="en-US"/>
           </a:p>
@@ -4140,7 +4141,7 @@
           <a:p>
             <a:fld id="{DC9AB389-105F-4E96-96D1-023732B57FDB}" type="datetime1">
               <a:rPr lang="ko-KR" altLang="en-US" smtClean="0"/>
-              <a:t>2026-02-05</a:t>
+              <a:t>2026-02-09</a:t>
             </a:fld>
             <a:endParaRPr lang="ko-KR" altLang="en-US"/>
           </a:p>
@@ -4372,7 +4373,7 @@
           <a:p>
             <a:fld id="{CF759BB9-6FE0-4E5A-B4B5-DD013808AC9C}" type="datetime1">
               <a:rPr lang="ko-KR" altLang="en-US" smtClean="0"/>
-              <a:t>2026-02-05</a:t>
+              <a:t>2026-02-09</a:t>
             </a:fld>
             <a:endParaRPr lang="ko-KR" altLang="en-US"/>
           </a:p>
@@ -4739,7 +4740,7 @@
           <a:p>
             <a:fld id="{FA0EC44F-4E31-4678-95ED-80FAD652C54E}" type="datetime1">
               <a:rPr lang="ko-KR" altLang="en-US" smtClean="0"/>
-              <a:t>2026-02-05</a:t>
+              <a:t>2026-02-09</a:t>
             </a:fld>
             <a:endParaRPr lang="ko-KR" altLang="en-US"/>
           </a:p>
@@ -4857,7 +4858,7 @@
           <a:p>
             <a:fld id="{A39EA623-B0BE-42DD-B1CF-33C0CE438DD6}" type="datetime1">
               <a:rPr lang="ko-KR" altLang="en-US" smtClean="0"/>
-              <a:t>2026-02-05</a:t>
+              <a:t>2026-02-09</a:t>
             </a:fld>
             <a:endParaRPr lang="ko-KR" altLang="en-US"/>
           </a:p>
@@ -4952,7 +4953,7 @@
           <a:p>
             <a:fld id="{10A52D41-7000-471D-AEDD-AA54046BEFE0}" type="datetime1">
               <a:rPr lang="ko-KR" altLang="en-US" smtClean="0"/>
-              <a:t>2026-02-05</a:t>
+              <a:t>2026-02-09</a:t>
             </a:fld>
             <a:endParaRPr lang="ko-KR" altLang="en-US"/>
           </a:p>
@@ -5229,7 +5230,7 @@
           <a:p>
             <a:fld id="{D8CCB25F-E96C-4A04-84A2-FDADC02C583B}" type="datetime1">
               <a:rPr lang="ko-KR" altLang="en-US" smtClean="0"/>
-              <a:t>2026-02-05</a:t>
+              <a:t>2026-02-09</a:t>
             </a:fld>
             <a:endParaRPr lang="ko-KR" altLang="en-US"/>
           </a:p>
@@ -5486,7 +5487,7 @@
           <a:p>
             <a:fld id="{4130D29D-381B-4538-848B-7074F8997503}" type="datetime1">
               <a:rPr lang="ko-KR" altLang="en-US" smtClean="0"/>
-              <a:t>2026-02-05</a:t>
+              <a:t>2026-02-09</a:t>
             </a:fld>
             <a:endParaRPr lang="ko-KR" altLang="en-US"/>
           </a:p>
@@ -5699,7 +5700,7 @@
           <a:p>
             <a:fld id="{703364EA-2A97-4E5B-A2BC-9D2CF65CD99A}" type="datetime1">
               <a:rPr lang="ko-KR" altLang="en-US" smtClean="0"/>
-              <a:t>2026-02-05</a:t>
+              <a:t>2026-02-09</a:t>
             </a:fld>
             <a:endParaRPr lang="ko-KR" altLang="en-US"/>
           </a:p>
@@ -6347,7 +6348,7 @@
           <a:p>
             <a:fld id="{A15CAA8D-D1A7-482E-8D0B-2A978C56C5FA}" type="datetime1">
               <a:rPr lang="ko-KR" altLang="en-US" smtClean="0"/>
-              <a:t>2026-02-05</a:t>
+              <a:t>2026-02-09</a:t>
             </a:fld>
             <a:endParaRPr lang="ko-KR" altLang="en-US"/>
           </a:p>
@@ -6833,17 +6834,7 @@
                 <a:latin typeface="HY견고딕" panose="02030600000101010101" pitchFamily="18" charset="-127"/>
                 <a:ea typeface="HY견고딕" panose="02030600000101010101" pitchFamily="18" charset="-127"/>
               </a:rPr>
-              <a:t> </a:t>
-            </a:r>
-            <a:r>
-              <a:rPr lang="en-US" altLang="ko-KR" sz="3200" smtClean="0">
-                <a:solidFill>
-                  <a:schemeClr val="bg1"/>
-                </a:solidFill>
-                <a:latin typeface="HY견고딕" panose="02030600000101010101" pitchFamily="18" charset="-127"/>
-                <a:ea typeface="HY견고딕" panose="02030600000101010101" pitchFamily="18" charset="-127"/>
-              </a:rPr>
-              <a:t>Render Install</a:t>
+              <a:t> Render Install</a:t>
             </a:r>
             <a:endParaRPr lang="ko-KR" altLang="en-US" sz="3200" dirty="0">
               <a:solidFill>
@@ -6901,7 +6892,7 @@
         <p:spPr>
           <a:xfrm>
             <a:off x="250825" y="999542"/>
-            <a:ext cx="2175917" cy="338554"/>
+            <a:ext cx="1780167" cy="338554"/>
           </a:xfrm>
           <a:prstGeom prst="rect">
             <a:avLst/>
@@ -6924,7 +6915,7 @@
               <a:rPr lang="en-US" altLang="ko-KR" sz="1600" smtClean="0">
                 <a:latin typeface="+mn-ea"/>
               </a:rPr>
-              <a:t>Node.js Download</a:t>
+              <a:t>Render Events</a:t>
             </a:r>
             <a:endParaRPr lang="ko-KR" altLang="en-US" sz="1600" smtClean="0">
               <a:latin typeface="+mn-ea"/>
@@ -6941,7 +6932,7 @@
         <p:spPr>
           <a:xfrm>
             <a:off x="146908" y="246186"/>
-            <a:ext cx="1819729" cy="400110"/>
+            <a:ext cx="1762277" cy="400110"/>
           </a:xfrm>
           <a:prstGeom prst="rect">
             <a:avLst/>
@@ -6958,7 +6949,7 @@
               <a:rPr lang="en-US" altLang="ko-KR" sz="2000" smtClean="0">
                 <a:latin typeface="맑은 고딕" pitchFamily="50" charset="-127"/>
               </a:rPr>
-              <a:t>Node.js Install</a:t>
+              <a:t>Render Setup</a:t>
             </a:r>
             <a:endParaRPr lang="ko-KR" altLang="en-US" sz="2000" dirty="0">
               <a:latin typeface="맑은 고딕" pitchFamily="50" charset="-127"/>
@@ -7042,7 +7033,7 @@
         <p:spPr>
           <a:xfrm>
             <a:off x="250825" y="999542"/>
-            <a:ext cx="2608406" cy="338554"/>
+            <a:ext cx="2513958" cy="338554"/>
           </a:xfrm>
           <a:prstGeom prst="rect">
             <a:avLst/>
@@ -7065,47 +7056,10 @@
               <a:rPr lang="en-US" altLang="ko-KR" sz="1600" smtClean="0">
                 <a:latin typeface="+mn-ea"/>
               </a:rPr>
-              <a:t>Node.js </a:t>
-            </a:r>
-            <a:r>
-              <a:rPr lang="ko-KR" altLang="en-US" sz="1600" smtClean="0">
-                <a:latin typeface="+mn-ea"/>
-              </a:rPr>
-              <a:t>파일 생성 확인</a:t>
-            </a:r>
-          </a:p>
-        </p:txBody>
-      </p:sp>
-      <p:sp>
-        <p:nvSpPr>
-          <p:cNvPr id="4" name="TextBox 3"/>
-          <p:cNvSpPr txBox="1"/>
-          <p:nvPr/>
-        </p:nvSpPr>
-        <p:spPr>
-          <a:xfrm>
-            <a:off x="146908" y="246186"/>
-            <a:ext cx="1819729" cy="400110"/>
-          </a:xfrm>
-          <a:prstGeom prst="rect">
-            <a:avLst/>
-          </a:prstGeom>
-          <a:noFill/>
-        </p:spPr>
-        <p:txBody>
-          <a:bodyPr wrap="none" rtlCol="0">
-            <a:spAutoFit/>
-          </a:bodyPr>
-          <a:lstStyle/>
-          <a:p>
-            <a:r>
-              <a:rPr lang="en-US" altLang="ko-KR" sz="2000" smtClean="0">
-                <a:latin typeface="맑은 고딕" pitchFamily="50" charset="-127"/>
-              </a:rPr>
-              <a:t>Node.js Install</a:t>
-            </a:r>
-            <a:endParaRPr lang="ko-KR" altLang="en-US" sz="2000" dirty="0">
-              <a:latin typeface="맑은 고딕" pitchFamily="50" charset="-127"/>
+              <a:t>Manual Server Reload</a:t>
+            </a:r>
+            <a:endParaRPr lang="ko-KR" altLang="en-US" sz="1600" smtClean="0">
+              <a:latin typeface="+mn-ea"/>
             </a:endParaRPr>
           </a:p>
         </p:txBody>
@@ -7134,6 +7088,40 @@
           </a:prstGeom>
         </p:spPr>
       </p:pic>
+      <p:sp>
+        <p:nvSpPr>
+          <p:cNvPr id="6" name="TextBox 5"/>
+          <p:cNvSpPr txBox="1"/>
+          <p:nvPr/>
+        </p:nvSpPr>
+        <p:spPr>
+          <a:xfrm>
+            <a:off x="146908" y="246186"/>
+            <a:ext cx="1762277" cy="400110"/>
+          </a:xfrm>
+          <a:prstGeom prst="rect">
+            <a:avLst/>
+          </a:prstGeom>
+          <a:noFill/>
+        </p:spPr>
+        <p:txBody>
+          <a:bodyPr wrap="none" rtlCol="0">
+            <a:spAutoFit/>
+          </a:bodyPr>
+          <a:lstStyle/>
+          <a:p>
+            <a:r>
+              <a:rPr lang="en-US" altLang="ko-KR" sz="2000" smtClean="0">
+                <a:latin typeface="맑은 고딕" pitchFamily="50" charset="-127"/>
+              </a:rPr>
+              <a:t>Render Setup</a:t>
+            </a:r>
+            <a:endParaRPr lang="ko-KR" altLang="en-US" sz="2000" dirty="0">
+              <a:latin typeface="맑은 고딕" pitchFamily="50" charset="-127"/>
+            </a:endParaRPr>
+          </a:p>
+        </p:txBody>
+      </p:sp>
     </p:spTree>
     <p:extLst>
       <p:ext uri="{BB962C8B-B14F-4D97-AF65-F5344CB8AC3E}">
@@ -7155,6 +7143,60 @@
 </file>
 
 <file path=ppt/slides/slide4.xml><?xml version="1.0" encoding="utf-8"?>
+<p:sld xmlns:a="http://schemas.openxmlformats.org/drawingml/2006/main" xmlns:r="http://schemas.openxmlformats.org/officeDocument/2006/relationships" xmlns:p="http://schemas.openxmlformats.org/presentationml/2006/main">
+  <p:cSld>
+    <p:spTree>
+      <p:nvGrpSpPr>
+        <p:cNvPr id="1" name=""/>
+        <p:cNvGrpSpPr/>
+        <p:nvPr/>
+      </p:nvGrpSpPr>
+      <p:grpSpPr>
+        <a:xfrm>
+          <a:off x="0" y="0"/>
+          <a:ext cx="0" cy="0"/>
+          <a:chOff x="0" y="0"/>
+          <a:chExt cx="0" cy="0"/>
+        </a:xfrm>
+      </p:grpSpPr>
+      <p:pic>
+        <p:nvPicPr>
+          <p:cNvPr id="4" name="그림 3"/>
+          <p:cNvPicPr>
+            <a:picLocks noChangeAspect="1"/>
+          </p:cNvPicPr>
+          <p:nvPr/>
+        </p:nvPicPr>
+        <p:blipFill>
+          <a:blip r:embed="rId2"/>
+          <a:stretch>
+            <a:fillRect/>
+          </a:stretch>
+        </p:blipFill>
+        <p:spPr>
+          <a:xfrm>
+            <a:off x="250826" y="1341438"/>
+            <a:ext cx="8677274" cy="5148262"/>
+          </a:xfrm>
+          <a:prstGeom prst="rect">
+            <a:avLst/>
+          </a:prstGeom>
+        </p:spPr>
+      </p:pic>
+    </p:spTree>
+    <p:extLst>
+      <p:ext uri="{BB962C8B-B14F-4D97-AF65-F5344CB8AC3E}">
+        <p14:creationId xmlns:p14="http://schemas.microsoft.com/office/powerpoint/2010/main" val="1527363664"/>
+      </p:ext>
+    </p:extLst>
+  </p:cSld>
+  <p:clrMapOvr>
+    <a:masterClrMapping/>
+  </p:clrMapOvr>
+</p:sld>
+</file>
+
+<file path=ppt/slides/slide5.xml><?xml version="1.0" encoding="utf-8"?>
 <p:sld xmlns:a="http://schemas.openxmlformats.org/drawingml/2006/main" xmlns:r="http://schemas.openxmlformats.org/officeDocument/2006/relationships" xmlns:p="http://schemas.openxmlformats.org/presentationml/2006/main">
   <p:cSld>
     <p:spTree>

--- a/contents/Render.pptx
+++ b/contents/Render.pptx
@@ -6,17 +6,21 @@
     <p:sldMasterId id="2147483672" r:id="rId2"/>
   </p:sldMasterIdLst>
   <p:notesMasterIdLst>
-    <p:notesMasterId r:id="rId8"/>
+    <p:notesMasterId r:id="rId12"/>
   </p:notesMasterIdLst>
   <p:handoutMasterIdLst>
-    <p:handoutMasterId r:id="rId9"/>
+    <p:handoutMasterId r:id="rId13"/>
   </p:handoutMasterIdLst>
   <p:sldIdLst>
     <p:sldId id="261" r:id="rId3"/>
     <p:sldId id="481" r:id="rId4"/>
     <p:sldId id="482" r:id="rId5"/>
     <p:sldId id="483" r:id="rId6"/>
-    <p:sldId id="421" r:id="rId7"/>
+    <p:sldId id="484" r:id="rId7"/>
+    <p:sldId id="485" r:id="rId8"/>
+    <p:sldId id="486" r:id="rId9"/>
+    <p:sldId id="487" r:id="rId10"/>
+    <p:sldId id="421" r:id="rId11"/>
   </p:sldIdLst>
   <p:sldSz cx="9144000" cy="6858000" type="screen4x3"/>
   <p:notesSz cx="6735763" cy="9866313"/>
@@ -7197,6 +7201,222 @@
 </file>
 
 <file path=ppt/slides/slide5.xml><?xml version="1.0" encoding="utf-8"?>
+<p:sld xmlns:a="http://schemas.openxmlformats.org/drawingml/2006/main" xmlns:r="http://schemas.openxmlformats.org/officeDocument/2006/relationships" xmlns:p="http://schemas.openxmlformats.org/presentationml/2006/main">
+  <p:cSld>
+    <p:spTree>
+      <p:nvGrpSpPr>
+        <p:cNvPr id="1" name=""/>
+        <p:cNvGrpSpPr/>
+        <p:nvPr/>
+      </p:nvGrpSpPr>
+      <p:grpSpPr>
+        <a:xfrm>
+          <a:off x="0" y="0"/>
+          <a:ext cx="0" cy="0"/>
+          <a:chOff x="0" y="0"/>
+          <a:chExt cx="0" cy="0"/>
+        </a:xfrm>
+      </p:grpSpPr>
+      <p:pic>
+        <p:nvPicPr>
+          <p:cNvPr id="2" name="그림 1"/>
+          <p:cNvPicPr>
+            <a:picLocks noChangeAspect="1"/>
+          </p:cNvPicPr>
+          <p:nvPr/>
+        </p:nvPicPr>
+        <p:blipFill>
+          <a:blip r:embed="rId2"/>
+          <a:stretch>
+            <a:fillRect/>
+          </a:stretch>
+        </p:blipFill>
+        <p:spPr>
+          <a:xfrm>
+            <a:off x="250825" y="1341438"/>
+            <a:ext cx="8677275" cy="5148262"/>
+          </a:xfrm>
+          <a:prstGeom prst="rect">
+            <a:avLst/>
+          </a:prstGeom>
+        </p:spPr>
+      </p:pic>
+    </p:spTree>
+    <p:extLst>
+      <p:ext uri="{BB962C8B-B14F-4D97-AF65-F5344CB8AC3E}">
+        <p14:creationId xmlns:p14="http://schemas.microsoft.com/office/powerpoint/2010/main" val="2497768804"/>
+      </p:ext>
+    </p:extLst>
+  </p:cSld>
+  <p:clrMapOvr>
+    <a:masterClrMapping/>
+  </p:clrMapOvr>
+</p:sld>
+</file>
+
+<file path=ppt/slides/slide6.xml><?xml version="1.0" encoding="utf-8"?>
+<p:sld xmlns:a="http://schemas.openxmlformats.org/drawingml/2006/main" xmlns:r="http://schemas.openxmlformats.org/officeDocument/2006/relationships" xmlns:p="http://schemas.openxmlformats.org/presentationml/2006/main">
+  <p:cSld>
+    <p:spTree>
+      <p:nvGrpSpPr>
+        <p:cNvPr id="1" name=""/>
+        <p:cNvGrpSpPr/>
+        <p:nvPr/>
+      </p:nvGrpSpPr>
+      <p:grpSpPr>
+        <a:xfrm>
+          <a:off x="0" y="0"/>
+          <a:ext cx="0" cy="0"/>
+          <a:chOff x="0" y="0"/>
+          <a:chExt cx="0" cy="0"/>
+        </a:xfrm>
+      </p:grpSpPr>
+      <p:pic>
+        <p:nvPicPr>
+          <p:cNvPr id="4" name="그림 3"/>
+          <p:cNvPicPr>
+            <a:picLocks noChangeAspect="1"/>
+          </p:cNvPicPr>
+          <p:nvPr/>
+        </p:nvPicPr>
+        <p:blipFill>
+          <a:blip r:embed="rId2"/>
+          <a:stretch>
+            <a:fillRect/>
+          </a:stretch>
+        </p:blipFill>
+        <p:spPr>
+          <a:xfrm>
+            <a:off x="250824" y="1341438"/>
+            <a:ext cx="8677275" cy="5148262"/>
+          </a:xfrm>
+          <a:prstGeom prst="rect">
+            <a:avLst/>
+          </a:prstGeom>
+        </p:spPr>
+      </p:pic>
+    </p:spTree>
+    <p:extLst>
+      <p:ext uri="{BB962C8B-B14F-4D97-AF65-F5344CB8AC3E}">
+        <p14:creationId xmlns:p14="http://schemas.microsoft.com/office/powerpoint/2010/main" val="996952072"/>
+      </p:ext>
+    </p:extLst>
+  </p:cSld>
+  <p:clrMapOvr>
+    <a:masterClrMapping/>
+  </p:clrMapOvr>
+</p:sld>
+</file>
+
+<file path=ppt/slides/slide7.xml><?xml version="1.0" encoding="utf-8"?>
+<p:sld xmlns:a="http://schemas.openxmlformats.org/drawingml/2006/main" xmlns:r="http://schemas.openxmlformats.org/officeDocument/2006/relationships" xmlns:p="http://schemas.openxmlformats.org/presentationml/2006/main">
+  <p:cSld>
+    <p:spTree>
+      <p:nvGrpSpPr>
+        <p:cNvPr id="1" name=""/>
+        <p:cNvGrpSpPr/>
+        <p:nvPr/>
+      </p:nvGrpSpPr>
+      <p:grpSpPr>
+        <a:xfrm>
+          <a:off x="0" y="0"/>
+          <a:ext cx="0" cy="0"/>
+          <a:chOff x="0" y="0"/>
+          <a:chExt cx="0" cy="0"/>
+        </a:xfrm>
+      </p:grpSpPr>
+      <p:pic>
+        <p:nvPicPr>
+          <p:cNvPr id="5" name="그림 4"/>
+          <p:cNvPicPr>
+            <a:picLocks noChangeAspect="1"/>
+          </p:cNvPicPr>
+          <p:nvPr/>
+        </p:nvPicPr>
+        <p:blipFill>
+          <a:blip r:embed="rId2"/>
+          <a:stretch>
+            <a:fillRect/>
+          </a:stretch>
+        </p:blipFill>
+        <p:spPr>
+          <a:xfrm>
+            <a:off x="250824" y="1341438"/>
+            <a:ext cx="8677275" cy="5148262"/>
+          </a:xfrm>
+          <a:prstGeom prst="rect">
+            <a:avLst/>
+          </a:prstGeom>
+        </p:spPr>
+      </p:pic>
+    </p:spTree>
+    <p:extLst>
+      <p:ext uri="{BB962C8B-B14F-4D97-AF65-F5344CB8AC3E}">
+        <p14:creationId xmlns:p14="http://schemas.microsoft.com/office/powerpoint/2010/main" val="1968929036"/>
+      </p:ext>
+    </p:extLst>
+  </p:cSld>
+  <p:clrMapOvr>
+    <a:masterClrMapping/>
+  </p:clrMapOvr>
+</p:sld>
+</file>
+
+<file path=ppt/slides/slide8.xml><?xml version="1.0" encoding="utf-8"?>
+<p:sld xmlns:a="http://schemas.openxmlformats.org/drawingml/2006/main" xmlns:r="http://schemas.openxmlformats.org/officeDocument/2006/relationships" xmlns:p="http://schemas.openxmlformats.org/presentationml/2006/main">
+  <p:cSld>
+    <p:spTree>
+      <p:nvGrpSpPr>
+        <p:cNvPr id="1" name=""/>
+        <p:cNvGrpSpPr/>
+        <p:nvPr/>
+      </p:nvGrpSpPr>
+      <p:grpSpPr>
+        <a:xfrm>
+          <a:off x="0" y="0"/>
+          <a:ext cx="0" cy="0"/>
+          <a:chOff x="0" y="0"/>
+          <a:chExt cx="0" cy="0"/>
+        </a:xfrm>
+      </p:grpSpPr>
+      <p:pic>
+        <p:nvPicPr>
+          <p:cNvPr id="2" name="그림 1"/>
+          <p:cNvPicPr>
+            <a:picLocks noChangeAspect="1"/>
+          </p:cNvPicPr>
+          <p:nvPr/>
+        </p:nvPicPr>
+        <p:blipFill>
+          <a:blip r:embed="rId2"/>
+          <a:stretch>
+            <a:fillRect/>
+          </a:stretch>
+        </p:blipFill>
+        <p:spPr>
+          <a:xfrm>
+            <a:off x="250824" y="1341438"/>
+            <a:ext cx="8677275" cy="5148262"/>
+          </a:xfrm>
+          <a:prstGeom prst="rect">
+            <a:avLst/>
+          </a:prstGeom>
+        </p:spPr>
+      </p:pic>
+    </p:spTree>
+    <p:extLst>
+      <p:ext uri="{BB962C8B-B14F-4D97-AF65-F5344CB8AC3E}">
+        <p14:creationId xmlns:p14="http://schemas.microsoft.com/office/powerpoint/2010/main" val="801278294"/>
+      </p:ext>
+    </p:extLst>
+  </p:cSld>
+  <p:clrMapOvr>
+    <a:masterClrMapping/>
+  </p:clrMapOvr>
+</p:sld>
+</file>
+
+<file path=ppt/slides/slide9.xml><?xml version="1.0" encoding="utf-8"?>
 <p:sld xmlns:a="http://schemas.openxmlformats.org/drawingml/2006/main" xmlns:r="http://schemas.openxmlformats.org/officeDocument/2006/relationships" xmlns:p="http://schemas.openxmlformats.org/presentationml/2006/main">
   <p:cSld>
     <p:spTree>

--- a/contents/Render.pptx
+++ b/contents/Render.pptx
@@ -6,10 +6,10 @@
     <p:sldMasterId id="2147483672" r:id="rId2"/>
   </p:sldMasterIdLst>
   <p:notesMasterIdLst>
-    <p:notesMasterId r:id="rId12"/>
+    <p:notesMasterId r:id="rId14"/>
   </p:notesMasterIdLst>
   <p:handoutMasterIdLst>
-    <p:handoutMasterId r:id="rId13"/>
+    <p:handoutMasterId r:id="rId15"/>
   </p:handoutMasterIdLst>
   <p:sldIdLst>
     <p:sldId id="261" r:id="rId3"/>
@@ -20,7 +20,9 @@
     <p:sldId id="485" r:id="rId8"/>
     <p:sldId id="486" r:id="rId9"/>
     <p:sldId id="487" r:id="rId10"/>
-    <p:sldId id="421" r:id="rId11"/>
+    <p:sldId id="488" r:id="rId11"/>
+    <p:sldId id="489" r:id="rId12"/>
+    <p:sldId id="421" r:id="rId13"/>
   </p:sldIdLst>
   <p:sldSz cx="9144000" cy="6858000" type="screen4x3"/>
   <p:notesSz cx="6735763" cy="9866313"/>
@@ -6870,6 +6872,177 @@
 </p:sld>
 </file>
 
+<file path=ppt/slides/slide10.xml><?xml version="1.0" encoding="utf-8"?>
+<p:sld xmlns:a="http://schemas.openxmlformats.org/drawingml/2006/main" xmlns:r="http://schemas.openxmlformats.org/officeDocument/2006/relationships" xmlns:p="http://schemas.openxmlformats.org/presentationml/2006/main">
+  <p:cSld>
+    <p:spTree>
+      <p:nvGrpSpPr>
+        <p:cNvPr id="1" name=""/>
+        <p:cNvGrpSpPr/>
+        <p:nvPr/>
+      </p:nvGrpSpPr>
+      <p:grpSpPr>
+        <a:xfrm>
+          <a:off x="0" y="0"/>
+          <a:ext cx="0" cy="0"/>
+          <a:chOff x="0" y="0"/>
+          <a:chExt cx="0" cy="0"/>
+        </a:xfrm>
+      </p:grpSpPr>
+      <p:pic>
+        <p:nvPicPr>
+          <p:cNvPr id="2" name="그림 1"/>
+          <p:cNvPicPr>
+            <a:picLocks noChangeAspect="1"/>
+          </p:cNvPicPr>
+          <p:nvPr/>
+        </p:nvPicPr>
+        <p:blipFill>
+          <a:blip r:embed="rId2"/>
+          <a:stretch>
+            <a:fillRect/>
+          </a:stretch>
+        </p:blipFill>
+        <p:spPr>
+          <a:xfrm>
+            <a:off x="250825" y="1341438"/>
+            <a:ext cx="8677275" cy="5148262"/>
+          </a:xfrm>
+          <a:prstGeom prst="rect">
+            <a:avLst/>
+          </a:prstGeom>
+        </p:spPr>
+      </p:pic>
+    </p:spTree>
+    <p:extLst>
+      <p:ext uri="{BB962C8B-B14F-4D97-AF65-F5344CB8AC3E}">
+        <p14:creationId xmlns:p14="http://schemas.microsoft.com/office/powerpoint/2010/main" val="2689286361"/>
+      </p:ext>
+    </p:extLst>
+  </p:cSld>
+  <p:clrMapOvr>
+    <a:masterClrMapping/>
+  </p:clrMapOvr>
+</p:sld>
+</file>
+
+<file path=ppt/slides/slide11.xml><?xml version="1.0" encoding="utf-8"?>
+<p:sld xmlns:a="http://schemas.openxmlformats.org/drawingml/2006/main" xmlns:r="http://schemas.openxmlformats.org/officeDocument/2006/relationships" xmlns:p="http://schemas.openxmlformats.org/presentationml/2006/main">
+  <p:cSld>
+    <p:spTree>
+      <p:nvGrpSpPr>
+        <p:cNvPr id="1" name=""/>
+        <p:cNvGrpSpPr/>
+        <p:nvPr/>
+      </p:nvGrpSpPr>
+      <p:grpSpPr>
+        <a:xfrm>
+          <a:off x="0" y="0"/>
+          <a:ext cx="0" cy="0"/>
+          <a:chOff x="0" y="0"/>
+          <a:chExt cx="0" cy="0"/>
+        </a:xfrm>
+      </p:grpSpPr>
+      <p:sp>
+        <p:nvSpPr>
+          <p:cNvPr id="10" name="직사각형 9"/>
+          <p:cNvSpPr/>
+          <p:nvPr/>
+        </p:nvSpPr>
+        <p:spPr>
+          <a:xfrm>
+            <a:off x="2850888" y="2671524"/>
+            <a:ext cx="3442224" cy="323165"/>
+          </a:xfrm>
+          <a:prstGeom prst="rect">
+            <a:avLst/>
+          </a:prstGeom>
+        </p:spPr>
+        <p:txBody>
+          <a:bodyPr wrap="none">
+            <a:spAutoFit/>
+          </a:bodyPr>
+          <a:lstStyle/>
+          <a:p>
+            <a:r>
+              <a:rPr lang="en-US" altLang="ko-KR" sz="1500" b="1" i="1" dirty="0">
+                <a:solidFill>
+                  <a:srgbClr val="FF0000"/>
+                </a:solidFill>
+              </a:rPr>
+              <a:t>New idea, New possibility, New </a:t>
+            </a:r>
+            <a:r>
+              <a:rPr lang="en-US" altLang="ko-KR" sz="1500" b="1" i="1" dirty="0" smtClean="0">
+                <a:solidFill>
+                  <a:srgbClr val="FF0000"/>
+                </a:solidFill>
+              </a:rPr>
+              <a:t>success !</a:t>
+            </a:r>
+            <a:r>
+              <a:rPr lang="en-US" altLang="ko-KR" sz="1500" i="1" dirty="0" smtClean="0">
+                <a:solidFill>
+                  <a:srgbClr val="FF0000"/>
+                </a:solidFill>
+              </a:rPr>
+              <a:t> </a:t>
+            </a:r>
+            <a:endParaRPr lang="ko-KR" altLang="en-US" sz="1500" i="1" dirty="0">
+              <a:solidFill>
+                <a:srgbClr val="FF0000"/>
+              </a:solidFill>
+            </a:endParaRPr>
+          </a:p>
+        </p:txBody>
+      </p:sp>
+      <p:sp>
+        <p:nvSpPr>
+          <p:cNvPr id="2" name="TextBox 1"/>
+          <p:cNvSpPr txBox="1"/>
+          <p:nvPr/>
+        </p:nvSpPr>
+        <p:spPr>
+          <a:xfrm>
+            <a:off x="3329512" y="2927445"/>
+            <a:ext cx="2484976" cy="646331"/>
+          </a:xfrm>
+          <a:prstGeom prst="rect">
+            <a:avLst/>
+          </a:prstGeom>
+          <a:noFill/>
+        </p:spPr>
+        <p:txBody>
+          <a:bodyPr wrap="none" rtlCol="0">
+            <a:spAutoFit/>
+          </a:bodyPr>
+          <a:lstStyle/>
+          <a:p>
+            <a:r>
+              <a:rPr lang="en-US" altLang="ko-KR" sz="3600" b="1" smtClean="0">
+                <a:latin typeface="+mn-ea"/>
+              </a:rPr>
+              <a:t>Thank You</a:t>
+            </a:r>
+            <a:endParaRPr lang="ko-KR" altLang="en-US" sz="3600" b="1" smtClean="0">
+              <a:latin typeface="+mn-ea"/>
+            </a:endParaRPr>
+          </a:p>
+        </p:txBody>
+      </p:sp>
+    </p:spTree>
+    <p:extLst>
+      <p:ext uri="{BB962C8B-B14F-4D97-AF65-F5344CB8AC3E}">
+        <p14:creationId xmlns:p14="http://schemas.microsoft.com/office/powerpoint/2010/main" val="2582765909"/>
+      </p:ext>
+    </p:extLst>
+  </p:cSld>
+  <p:clrMapOvr>
+    <a:masterClrMapping/>
+  </p:clrMapOvr>
+</p:sld>
+</file>
+
 <file path=ppt/slides/slide2.xml><?xml version="1.0" encoding="utf-8"?>
 <p:sld xmlns:a="http://schemas.openxmlformats.org/drawingml/2006/main" xmlns:r="http://schemas.openxmlformats.org/officeDocument/2006/relationships" xmlns:p="http://schemas.openxmlformats.org/presentationml/2006/main">
   <p:cSld>
@@ -7433,97 +7606,34 @@
           <a:chExt cx="0" cy="0"/>
         </a:xfrm>
       </p:grpSpPr>
-      <p:sp>
-        <p:nvSpPr>
-          <p:cNvPr id="10" name="직사각형 9"/>
-          <p:cNvSpPr/>
+      <p:pic>
+        <p:nvPicPr>
+          <p:cNvPr id="2" name="그림 1"/>
+          <p:cNvPicPr>
+            <a:picLocks noChangeAspect="1"/>
+          </p:cNvPicPr>
           <p:nvPr/>
-        </p:nvSpPr>
+        </p:nvPicPr>
+        <p:blipFill>
+          <a:blip r:embed="rId2"/>
+          <a:stretch>
+            <a:fillRect/>
+          </a:stretch>
+        </p:blipFill>
         <p:spPr>
           <a:xfrm>
-            <a:off x="2850888" y="2671524"/>
-            <a:ext cx="3442224" cy="323165"/>
+            <a:off x="250825" y="1341438"/>
+            <a:ext cx="3600953" cy="2896004"/>
           </a:xfrm>
           <a:prstGeom prst="rect">
             <a:avLst/>
           </a:prstGeom>
         </p:spPr>
-        <p:txBody>
-          <a:bodyPr wrap="none">
-            <a:spAutoFit/>
-          </a:bodyPr>
-          <a:lstStyle/>
-          <a:p>
-            <a:r>
-              <a:rPr lang="en-US" altLang="ko-KR" sz="1500" b="1" i="1" dirty="0">
-                <a:solidFill>
-                  <a:srgbClr val="FF0000"/>
-                </a:solidFill>
-              </a:rPr>
-              <a:t>New idea, New possibility, New </a:t>
-            </a:r>
-            <a:r>
-              <a:rPr lang="en-US" altLang="ko-KR" sz="1500" b="1" i="1" dirty="0" smtClean="0">
-                <a:solidFill>
-                  <a:srgbClr val="FF0000"/>
-                </a:solidFill>
-              </a:rPr>
-              <a:t>success !</a:t>
-            </a:r>
-            <a:r>
-              <a:rPr lang="en-US" altLang="ko-KR" sz="1500" i="1" dirty="0" smtClean="0">
-                <a:solidFill>
-                  <a:srgbClr val="FF0000"/>
-                </a:solidFill>
-              </a:rPr>
-              <a:t> </a:t>
-            </a:r>
-            <a:endParaRPr lang="ko-KR" altLang="en-US" sz="1500" i="1" dirty="0">
-              <a:solidFill>
-                <a:srgbClr val="FF0000"/>
-              </a:solidFill>
-            </a:endParaRPr>
-          </a:p>
-        </p:txBody>
-      </p:sp>
-      <p:sp>
-        <p:nvSpPr>
-          <p:cNvPr id="2" name="TextBox 1"/>
-          <p:cNvSpPr txBox="1"/>
-          <p:nvPr/>
-        </p:nvSpPr>
-        <p:spPr>
-          <a:xfrm>
-            <a:off x="3329512" y="2927445"/>
-            <a:ext cx="2484976" cy="646331"/>
-          </a:xfrm>
-          <a:prstGeom prst="rect">
-            <a:avLst/>
-          </a:prstGeom>
-          <a:noFill/>
-        </p:spPr>
-        <p:txBody>
-          <a:bodyPr wrap="none" rtlCol="0">
-            <a:spAutoFit/>
-          </a:bodyPr>
-          <a:lstStyle/>
-          <a:p>
-            <a:r>
-              <a:rPr lang="en-US" altLang="ko-KR" sz="3600" b="1" smtClean="0">
-                <a:latin typeface="+mn-ea"/>
-              </a:rPr>
-              <a:t>Thank You</a:t>
-            </a:r>
-            <a:endParaRPr lang="ko-KR" altLang="en-US" sz="3600" b="1" smtClean="0">
-              <a:latin typeface="+mn-ea"/>
-            </a:endParaRPr>
-          </a:p>
-        </p:txBody>
-      </p:sp>
+      </p:pic>
     </p:spTree>
     <p:extLst>
       <p:ext uri="{BB962C8B-B14F-4D97-AF65-F5344CB8AC3E}">
-        <p14:creationId xmlns:p14="http://schemas.microsoft.com/office/powerpoint/2010/main" val="2582765909"/>
+        <p14:creationId xmlns:p14="http://schemas.microsoft.com/office/powerpoint/2010/main" val="165071146"/>
       </p:ext>
     </p:extLst>
   </p:cSld>

--- a/contents/Render.pptx
+++ b/contents/Render.pptx
@@ -6,10 +6,10 @@
     <p:sldMasterId id="2147483672" r:id="rId2"/>
   </p:sldMasterIdLst>
   <p:notesMasterIdLst>
-    <p:notesMasterId r:id="rId14"/>
+    <p:notesMasterId r:id="rId15"/>
   </p:notesMasterIdLst>
   <p:handoutMasterIdLst>
-    <p:handoutMasterId r:id="rId15"/>
+    <p:handoutMasterId r:id="rId16"/>
   </p:handoutMasterIdLst>
   <p:sldIdLst>
     <p:sldId id="261" r:id="rId3"/>
@@ -22,7 +22,8 @@
     <p:sldId id="487" r:id="rId10"/>
     <p:sldId id="488" r:id="rId11"/>
     <p:sldId id="489" r:id="rId12"/>
-    <p:sldId id="421" r:id="rId13"/>
+    <p:sldId id="490" r:id="rId13"/>
+    <p:sldId id="421" r:id="rId14"/>
   </p:sldIdLst>
   <p:sldSz cx="9144000" cy="6858000" type="screen4x3"/>
   <p:notesSz cx="6735763" cy="9866313"/>
@@ -124,7 +125,7 @@
   <p:extLst>
     <p:ext uri="{EFAFB233-063F-42B5-8137-9DF3F51BA10A}">
       <p15:sldGuideLst xmlns:p15="http://schemas.microsoft.com/office/powerpoint/2012/main">
-        <p15:guide id="1" orient="horz" pos="2183" userDrawn="1">
+        <p15:guide id="1" orient="horz" pos="2205" userDrawn="1">
           <p15:clr>
             <a:srgbClr val="A4A3A4"/>
           </p15:clr>
@@ -6943,6 +6944,478 @@
           <a:chExt cx="0" cy="0"/>
         </a:xfrm>
       </p:grpSpPr>
+      <p:pic>
+        <p:nvPicPr>
+          <p:cNvPr id="2" name="그림 1"/>
+          <p:cNvPicPr>
+            <a:picLocks noChangeAspect="1"/>
+          </p:cNvPicPr>
+          <p:nvPr/>
+        </p:nvPicPr>
+        <p:blipFill>
+          <a:blip r:embed="rId2"/>
+          <a:stretch>
+            <a:fillRect/>
+          </a:stretch>
+        </p:blipFill>
+        <p:spPr>
+          <a:xfrm>
+            <a:off x="250825" y="1341438"/>
+            <a:ext cx="2900241" cy="5148262"/>
+          </a:xfrm>
+          <a:prstGeom prst="rect">
+            <a:avLst/>
+          </a:prstGeom>
+        </p:spPr>
+      </p:pic>
+      <p:sp>
+        <p:nvSpPr>
+          <p:cNvPr id="3" name="직사각형 2"/>
+          <p:cNvSpPr/>
+          <p:nvPr/>
+        </p:nvSpPr>
+        <p:spPr>
+          <a:xfrm>
+            <a:off x="3991969" y="1538382"/>
+            <a:ext cx="1419367" cy="396685"/>
+          </a:xfrm>
+          <a:prstGeom prst="rect">
+            <a:avLst/>
+          </a:prstGeom>
+          <a:noFill/>
+          <a:ln w="28575">
+            <a:solidFill>
+              <a:schemeClr val="tx2">
+                <a:lumMod val="60000"/>
+                <a:lumOff val="40000"/>
+              </a:schemeClr>
+            </a:solidFill>
+          </a:ln>
+        </p:spPr>
+        <p:style>
+          <a:lnRef idx="2">
+            <a:schemeClr val="accent1">
+              <a:shade val="50000"/>
+            </a:schemeClr>
+          </a:lnRef>
+          <a:fillRef idx="1">
+            <a:schemeClr val="accent1"/>
+          </a:fillRef>
+          <a:effectRef idx="0">
+            <a:schemeClr val="accent1"/>
+          </a:effectRef>
+          <a:fontRef idx="minor">
+            <a:schemeClr val="lt1"/>
+          </a:fontRef>
+        </p:style>
+        <p:txBody>
+          <a:bodyPr rtlCol="0" anchor="ctr"/>
+          <a:lstStyle/>
+          <a:p>
+            <a:pPr algn="ctr"/>
+            <a:r>
+              <a:rPr lang="ko-KR" altLang="en-US" sz="1200">
+                <a:solidFill>
+                  <a:schemeClr val="tx1"/>
+                </a:solidFill>
+                <a:latin typeface="+mn-ea"/>
+              </a:rPr>
+              <a:t>웹</a:t>
+            </a:r>
+            <a:r>
+              <a:rPr lang="ko-KR" altLang="en-US" sz="1200" smtClean="0">
+                <a:solidFill>
+                  <a:schemeClr val="tx1"/>
+                </a:solidFill>
+                <a:latin typeface="+mn-ea"/>
+              </a:rPr>
+              <a:t>브라우저</a:t>
+            </a:r>
+            <a:endParaRPr lang="ko-KR" altLang="en-US" sz="1200">
+              <a:solidFill>
+                <a:schemeClr val="tx1"/>
+              </a:solidFill>
+              <a:latin typeface="+mn-ea"/>
+            </a:endParaRPr>
+          </a:p>
+        </p:txBody>
+      </p:sp>
+      <p:cxnSp>
+        <p:nvCxnSpPr>
+          <p:cNvPr id="5" name="직선 화살표 연결선 4"/>
+          <p:cNvCxnSpPr>
+            <a:stCxn id="3" idx="2"/>
+            <a:endCxn id="6" idx="0"/>
+          </p:cNvCxnSpPr>
+          <p:nvPr/>
+        </p:nvCxnSpPr>
+        <p:spPr>
+          <a:xfrm>
+            <a:off x="4701653" y="1935067"/>
+            <a:ext cx="0" cy="255399"/>
+          </a:xfrm>
+          <a:prstGeom prst="straightConnector1">
+            <a:avLst/>
+          </a:prstGeom>
+          <a:ln w="19050">
+            <a:solidFill>
+              <a:schemeClr val="tx2">
+                <a:lumMod val="75000"/>
+              </a:schemeClr>
+            </a:solidFill>
+            <a:prstDash val="solid"/>
+            <a:tailEnd type="triangle"/>
+          </a:ln>
+        </p:spPr>
+        <p:style>
+          <a:lnRef idx="1">
+            <a:schemeClr val="accent1"/>
+          </a:lnRef>
+          <a:fillRef idx="0">
+            <a:schemeClr val="accent1"/>
+          </a:fillRef>
+          <a:effectRef idx="0">
+            <a:schemeClr val="accent1"/>
+          </a:effectRef>
+          <a:fontRef idx="minor">
+            <a:schemeClr val="tx1"/>
+          </a:fontRef>
+        </p:style>
+      </p:cxnSp>
+      <p:sp>
+        <p:nvSpPr>
+          <p:cNvPr id="6" name="직사각형 5"/>
+          <p:cNvSpPr/>
+          <p:nvPr/>
+        </p:nvSpPr>
+        <p:spPr>
+          <a:xfrm>
+            <a:off x="3991969" y="2190466"/>
+            <a:ext cx="1419367" cy="396685"/>
+          </a:xfrm>
+          <a:prstGeom prst="rect">
+            <a:avLst/>
+          </a:prstGeom>
+          <a:noFill/>
+          <a:ln w="28575">
+            <a:solidFill>
+              <a:schemeClr val="tx2">
+                <a:lumMod val="60000"/>
+                <a:lumOff val="40000"/>
+              </a:schemeClr>
+            </a:solidFill>
+          </a:ln>
+        </p:spPr>
+        <p:style>
+          <a:lnRef idx="2">
+            <a:schemeClr val="accent1">
+              <a:shade val="50000"/>
+            </a:schemeClr>
+          </a:lnRef>
+          <a:fillRef idx="1">
+            <a:schemeClr val="accent1"/>
+          </a:fillRef>
+          <a:effectRef idx="0">
+            <a:schemeClr val="accent1"/>
+          </a:effectRef>
+          <a:fontRef idx="minor">
+            <a:schemeClr val="lt1"/>
+          </a:fontRef>
+        </p:style>
+        <p:txBody>
+          <a:bodyPr rtlCol="0" anchor="ctr"/>
+          <a:lstStyle/>
+          <a:p>
+            <a:pPr algn="ctr"/>
+            <a:r>
+              <a:rPr lang="en-US" altLang="ko-KR" sz="1200" smtClean="0">
+                <a:solidFill>
+                  <a:schemeClr val="tx1"/>
+                </a:solidFill>
+                <a:latin typeface="+mn-ea"/>
+              </a:rPr>
+              <a:t>Uvicorn</a:t>
+            </a:r>
+            <a:endParaRPr lang="ko-KR" altLang="en-US" sz="1200">
+              <a:solidFill>
+                <a:schemeClr val="tx1"/>
+              </a:solidFill>
+              <a:latin typeface="+mn-ea"/>
+            </a:endParaRPr>
+          </a:p>
+        </p:txBody>
+      </p:sp>
+      <p:cxnSp>
+        <p:nvCxnSpPr>
+          <p:cNvPr id="7" name="직선 화살표 연결선 6"/>
+          <p:cNvCxnSpPr>
+            <a:stCxn id="6" idx="2"/>
+            <a:endCxn id="8" idx="0"/>
+          </p:cNvCxnSpPr>
+          <p:nvPr/>
+        </p:nvCxnSpPr>
+        <p:spPr>
+          <a:xfrm>
+            <a:off x="4701653" y="2587151"/>
+            <a:ext cx="0" cy="255399"/>
+          </a:xfrm>
+          <a:prstGeom prst="straightConnector1">
+            <a:avLst/>
+          </a:prstGeom>
+          <a:ln w="19050">
+            <a:solidFill>
+              <a:schemeClr val="tx2">
+                <a:lumMod val="75000"/>
+              </a:schemeClr>
+            </a:solidFill>
+            <a:prstDash val="solid"/>
+            <a:tailEnd type="triangle"/>
+          </a:ln>
+        </p:spPr>
+        <p:style>
+          <a:lnRef idx="1">
+            <a:schemeClr val="accent1"/>
+          </a:lnRef>
+          <a:fillRef idx="0">
+            <a:schemeClr val="accent1"/>
+          </a:fillRef>
+          <a:effectRef idx="0">
+            <a:schemeClr val="accent1"/>
+          </a:effectRef>
+          <a:fontRef idx="minor">
+            <a:schemeClr val="tx1"/>
+          </a:fontRef>
+        </p:style>
+      </p:cxnSp>
+      <p:sp>
+        <p:nvSpPr>
+          <p:cNvPr id="8" name="직사각형 7"/>
+          <p:cNvSpPr/>
+          <p:nvPr/>
+        </p:nvSpPr>
+        <p:spPr>
+          <a:xfrm>
+            <a:off x="3991969" y="2842550"/>
+            <a:ext cx="1419367" cy="396685"/>
+          </a:xfrm>
+          <a:prstGeom prst="rect">
+            <a:avLst/>
+          </a:prstGeom>
+          <a:noFill/>
+          <a:ln w="28575">
+            <a:solidFill>
+              <a:schemeClr val="tx2">
+                <a:lumMod val="60000"/>
+                <a:lumOff val="40000"/>
+              </a:schemeClr>
+            </a:solidFill>
+          </a:ln>
+        </p:spPr>
+        <p:style>
+          <a:lnRef idx="2">
+            <a:schemeClr val="accent1">
+              <a:shade val="50000"/>
+            </a:schemeClr>
+          </a:lnRef>
+          <a:fillRef idx="1">
+            <a:schemeClr val="accent1"/>
+          </a:fillRef>
+          <a:effectRef idx="0">
+            <a:schemeClr val="accent1"/>
+          </a:effectRef>
+          <a:fontRef idx="minor">
+            <a:schemeClr val="lt1"/>
+          </a:fontRef>
+        </p:style>
+        <p:txBody>
+          <a:bodyPr rtlCol="0" anchor="ctr"/>
+          <a:lstStyle/>
+          <a:p>
+            <a:pPr algn="ctr"/>
+            <a:r>
+              <a:rPr lang="en-US" altLang="ko-KR" sz="1200" smtClean="0">
+                <a:solidFill>
+                  <a:schemeClr val="tx1"/>
+                </a:solidFill>
+                <a:latin typeface="+mn-ea"/>
+              </a:rPr>
+              <a:t>FastAPI</a:t>
+            </a:r>
+            <a:endParaRPr lang="ko-KR" altLang="en-US" sz="1200">
+              <a:solidFill>
+                <a:schemeClr val="tx1"/>
+              </a:solidFill>
+              <a:latin typeface="+mn-ea"/>
+            </a:endParaRPr>
+          </a:p>
+        </p:txBody>
+      </p:sp>
+      <p:sp>
+        <p:nvSpPr>
+          <p:cNvPr id="9" name="직사각형 8"/>
+          <p:cNvSpPr/>
+          <p:nvPr/>
+        </p:nvSpPr>
+        <p:spPr>
+          <a:xfrm>
+            <a:off x="3991969" y="3494634"/>
+            <a:ext cx="1419367" cy="396685"/>
+          </a:xfrm>
+          <a:prstGeom prst="rect">
+            <a:avLst/>
+          </a:prstGeom>
+          <a:noFill/>
+          <a:ln w="28575">
+            <a:solidFill>
+              <a:schemeClr val="tx2">
+                <a:lumMod val="60000"/>
+                <a:lumOff val="40000"/>
+              </a:schemeClr>
+            </a:solidFill>
+          </a:ln>
+        </p:spPr>
+        <p:style>
+          <a:lnRef idx="2">
+            <a:schemeClr val="accent1">
+              <a:shade val="50000"/>
+            </a:schemeClr>
+          </a:lnRef>
+          <a:fillRef idx="1">
+            <a:schemeClr val="accent1"/>
+          </a:fillRef>
+          <a:effectRef idx="0">
+            <a:schemeClr val="accent1"/>
+          </a:effectRef>
+          <a:fontRef idx="minor">
+            <a:schemeClr val="lt1"/>
+          </a:fontRef>
+        </p:style>
+        <p:txBody>
+          <a:bodyPr rtlCol="0" anchor="ctr"/>
+          <a:lstStyle/>
+          <a:p>
+            <a:pPr algn="ctr"/>
+            <a:r>
+              <a:rPr lang="ko-KR" altLang="en-US" sz="1200" smtClean="0">
+                <a:solidFill>
+                  <a:schemeClr val="tx1"/>
+                </a:solidFill>
+                <a:latin typeface="+mn-ea"/>
+              </a:rPr>
+              <a:t>서비스 프로그램</a:t>
+            </a:r>
+            <a:endParaRPr lang="ko-KR" altLang="en-US" sz="1200">
+              <a:solidFill>
+                <a:schemeClr val="tx1"/>
+              </a:solidFill>
+              <a:latin typeface="+mn-ea"/>
+            </a:endParaRPr>
+          </a:p>
+        </p:txBody>
+      </p:sp>
+      <p:cxnSp>
+        <p:nvCxnSpPr>
+          <p:cNvPr id="13" name="직선 화살표 연결선 12"/>
+          <p:cNvCxnSpPr>
+            <a:stCxn id="8" idx="2"/>
+            <a:endCxn id="9" idx="0"/>
+          </p:cNvCxnSpPr>
+          <p:nvPr/>
+        </p:nvCxnSpPr>
+        <p:spPr>
+          <a:xfrm>
+            <a:off x="4701653" y="3239235"/>
+            <a:ext cx="0" cy="255399"/>
+          </a:xfrm>
+          <a:prstGeom prst="straightConnector1">
+            <a:avLst/>
+          </a:prstGeom>
+          <a:ln w="19050">
+            <a:solidFill>
+              <a:schemeClr val="tx2">
+                <a:lumMod val="75000"/>
+              </a:schemeClr>
+            </a:solidFill>
+            <a:prstDash val="solid"/>
+            <a:tailEnd type="triangle"/>
+          </a:ln>
+        </p:spPr>
+        <p:style>
+          <a:lnRef idx="1">
+            <a:schemeClr val="accent1"/>
+          </a:lnRef>
+          <a:fillRef idx="0">
+            <a:schemeClr val="accent1"/>
+          </a:fillRef>
+          <a:effectRef idx="0">
+            <a:schemeClr val="accent1"/>
+          </a:effectRef>
+          <a:fontRef idx="minor">
+            <a:schemeClr val="tx1"/>
+          </a:fontRef>
+        </p:style>
+      </p:cxnSp>
+      <p:pic>
+        <p:nvPicPr>
+          <p:cNvPr id="20" name="그림 19"/>
+          <p:cNvPicPr>
+            <a:picLocks noChangeAspect="1"/>
+          </p:cNvPicPr>
+          <p:nvPr/>
+        </p:nvPicPr>
+        <p:blipFill>
+          <a:blip r:embed="rId3"/>
+          <a:stretch>
+            <a:fillRect/>
+          </a:stretch>
+        </p:blipFill>
+        <p:spPr>
+          <a:xfrm>
+            <a:off x="5911720" y="1285868"/>
+            <a:ext cx="2534004" cy="5210902"/>
+          </a:xfrm>
+          <a:prstGeom prst="rect">
+            <a:avLst/>
+          </a:prstGeom>
+        </p:spPr>
+      </p:pic>
+    </p:spTree>
+    <p:extLst>
+      <p:ext uri="{BB962C8B-B14F-4D97-AF65-F5344CB8AC3E}">
+        <p14:creationId xmlns:p14="http://schemas.microsoft.com/office/powerpoint/2010/main" val="3054500680"/>
+      </p:ext>
+    </p:extLst>
+  </p:cSld>
+  <p:clrMapOvr>
+    <a:masterClrMapping/>
+  </p:clrMapOvr>
+  <p:timing>
+    <p:tnLst>
+      <p:par>
+        <p:cTn id="1" dur="indefinite" restart="never" nodeType="tmRoot"/>
+      </p:par>
+    </p:tnLst>
+  </p:timing>
+</p:sld>
+</file>
+
+<file path=ppt/slides/slide12.xml><?xml version="1.0" encoding="utf-8"?>
+<p:sld xmlns:a="http://schemas.openxmlformats.org/drawingml/2006/main" xmlns:r="http://schemas.openxmlformats.org/officeDocument/2006/relationships" xmlns:p="http://schemas.openxmlformats.org/presentationml/2006/main">
+  <p:cSld>
+    <p:spTree>
+      <p:nvGrpSpPr>
+        <p:cNvPr id="1" name=""/>
+        <p:cNvGrpSpPr/>
+        <p:nvPr/>
+      </p:nvGrpSpPr>
+      <p:grpSpPr>
+        <a:xfrm>
+          <a:off x="0" y="0"/>
+          <a:ext cx="0" cy="0"/>
+          <a:chOff x="0" y="0"/>
+          <a:chExt cx="0" cy="0"/>
+        </a:xfrm>
+      </p:grpSpPr>
       <p:sp>
         <p:nvSpPr>
           <p:cNvPr id="10" name="직사각형 9"/>
@@ -7040,6 +7513,13 @@
   <p:clrMapOvr>
     <a:masterClrMapping/>
   </p:clrMapOvr>
+  <p:timing>
+    <p:tnLst>
+      <p:par>
+        <p:cTn id="1" dur="indefinite" restart="never" nodeType="tmRoot"/>
+      </p:par>
+    </p:tnLst>
+  </p:timing>
 </p:sld>
 </file>
 
@@ -7622,7 +8102,7 @@
         </p:blipFill>
         <p:spPr>
           <a:xfrm>
-            <a:off x="250825" y="1341438"/>
+            <a:off x="244001" y="1341438"/>
             <a:ext cx="3600953" cy="2896004"/>
           </a:xfrm>
           <a:prstGeom prst="rect">
